--- a/MED/doc/Presentazione M.E.D.pptx
+++ b/MED/doc/Presentazione M.E.D.pptx
@@ -409,7 +409,7 @@
             <a:pPr rtl="0"/>
             <a:fld id="{DBC54730-5EBA-4920-A6C4-7F8458A7F940}" type="datetime1">
               <a:rPr lang="it-IT" smtClean="0"/>
-              <a:t>14/01/2024</a:t>
+              <a:t>17/01/2024</a:t>
             </a:fld>
             <a:endParaRPr lang="it-IT"/>
           </a:p>
@@ -591,7 +591,7 @@
             <a:fld id="{85EC1C34-318D-43A8-83F5-3AC8647FE75E}" type="datetime1">
               <a:rPr lang="it-IT" smtClean="0"/>
               <a:pPr/>
-              <a:t>14/01/2024</a:t>
+              <a:t>17/01/2024</a:t>
             </a:fld>
             <a:endParaRPr lang="it-IT" dirty="0"/>
           </a:p>
@@ -12593,19 +12593,25 @@
         </p:nvSpPr>
         <p:spPr/>
         <p:txBody>
-          <a:bodyPr/>
+          <a:bodyPr>
+            <a:normAutofit/>
+          </a:bodyPr>
           <a:lstStyle/>
           <a:p>
             <a:r>
               <a:rPr lang="it-IT" dirty="0"/>
-              <a:t>Cosa avete usato per implementare</a:t>
-            </a:r>
-          </a:p>
-          <a:p>
-            <a:pPr lvl="1"/>
+              <a:t>L’implementazione è completa, il sistema è completamente funzionante ed è eseguibile da terminale</a:t>
+            </a:r>
+          </a:p>
+          <a:p>
+            <a:pPr marL="457200" algn="just">
+              <a:lnSpc>
+                <a:spcPct val="115000"/>
+              </a:lnSpc>
+            </a:pPr>
             <a:r>
               <a:rPr lang="it-IT" dirty="0"/>
-              <a:t>Quali parti avete implementato e quali no (ad esempio)</a:t>
+              <a:t>Abbiamo utilizzato Eclipse sia per la creazione del database che per la realizzazione del codice in linguaggio java, inoltre è stato utilizzato il tool Window Builder per la creazione della GUI</a:t>
             </a:r>
             <a:endParaRPr lang="en-US" dirty="0"/>
           </a:p>
@@ -12723,7 +12729,7 @@
           <a:p>
             <a:r>
               <a:rPr lang="it-IT" dirty="0"/>
-              <a:t>Fare piccola demo dell’applicazione sviluppata</a:t>
+              <a:t>Procediamo con una breve dimostrazione del funzionamento dell’applicazione creata.</a:t>
             </a:r>
             <a:endParaRPr lang="en-US" dirty="0"/>
           </a:p>
@@ -12898,11 +12904,170 @@
           <a:bodyPr/>
           <a:lstStyle/>
           <a:p>
-            <a:r>
-              <a:rPr lang="it-IT" dirty="0"/>
-              <a:t>Quali diagrammi UML avete realizzato?</a:t>
-            </a:r>
-            <a:endParaRPr lang="en-US" dirty="0"/>
+            <a:pPr>
+              <a:lnSpc>
+                <a:spcPct val="107000"/>
+              </a:lnSpc>
+              <a:spcAft>
+                <a:spcPts val="800"/>
+              </a:spcAft>
+            </a:pPr>
+            <a:r>
+              <a:rPr lang="it-IT" sz="1800" kern="100" dirty="0">
+                <a:effectLst/>
+                <a:latin typeface="Calibri" panose="020F0502020204030204" pitchFamily="34" charset="0"/>
+                <a:ea typeface="Calibri" panose="020F0502020204030204" pitchFamily="34" charset="0"/>
+                <a:cs typeface="Times New Roman" panose="02020603050405020304" pitchFamily="18" charset="0"/>
+              </a:rPr>
+              <a:t>La presentazione della modellazione è avvenuta attraverso l’impiego dei seguenti diagrammi UML:</a:t>
+            </a:r>
+          </a:p>
+          <a:p>
+            <a:pPr marL="342900" lvl="0" indent="-342900">
+              <a:lnSpc>
+                <a:spcPct val="107000"/>
+              </a:lnSpc>
+              <a:buFont typeface="Symbol" panose="05050102010706020507" pitchFamily="18" charset="2"/>
+              <a:buChar char=""/>
+            </a:pPr>
+            <a:r>
+              <a:rPr lang="it-IT" sz="1800" kern="100" dirty="0">
+                <a:effectLst/>
+                <a:latin typeface="Calibri" panose="020F0502020204030204" pitchFamily="34" charset="0"/>
+                <a:ea typeface="Calibri" panose="020F0502020204030204" pitchFamily="34" charset="0"/>
+                <a:cs typeface="Times New Roman" panose="02020603050405020304" pitchFamily="18" charset="0"/>
+              </a:rPr>
+              <a:t>Casi d’uso</a:t>
+            </a:r>
+          </a:p>
+          <a:p>
+            <a:pPr marL="342900" lvl="0" indent="-342900">
+              <a:lnSpc>
+                <a:spcPct val="107000"/>
+              </a:lnSpc>
+              <a:buFont typeface="Symbol" panose="05050102010706020507" pitchFamily="18" charset="2"/>
+              <a:buChar char=""/>
+            </a:pPr>
+            <a:r>
+              <a:rPr lang="it-IT" sz="1800" kern="100" dirty="0">
+                <a:effectLst/>
+                <a:latin typeface="Calibri" panose="020F0502020204030204" pitchFamily="34" charset="0"/>
+                <a:ea typeface="Calibri" panose="020F0502020204030204" pitchFamily="34" charset="0"/>
+                <a:cs typeface="Times New Roman" panose="02020603050405020304" pitchFamily="18" charset="0"/>
+              </a:rPr>
+              <a:t>Attività</a:t>
+            </a:r>
+          </a:p>
+          <a:p>
+            <a:pPr marL="342900" lvl="0" indent="-342900">
+              <a:lnSpc>
+                <a:spcPct val="107000"/>
+              </a:lnSpc>
+              <a:buFont typeface="Symbol" panose="05050102010706020507" pitchFamily="18" charset="2"/>
+              <a:buChar char=""/>
+            </a:pPr>
+            <a:r>
+              <a:rPr lang="it-IT" sz="1800" kern="100" dirty="0">
+                <a:effectLst/>
+                <a:latin typeface="Calibri" panose="020F0502020204030204" pitchFamily="34" charset="0"/>
+                <a:ea typeface="Calibri" panose="020F0502020204030204" pitchFamily="34" charset="0"/>
+                <a:cs typeface="Times New Roman" panose="02020603050405020304" pitchFamily="18" charset="0"/>
+              </a:rPr>
+              <a:t>Classe</a:t>
+            </a:r>
+          </a:p>
+          <a:p>
+            <a:pPr marL="342900" lvl="0" indent="-342900">
+              <a:lnSpc>
+                <a:spcPct val="107000"/>
+              </a:lnSpc>
+              <a:buFont typeface="Symbol" panose="05050102010706020507" pitchFamily="18" charset="2"/>
+              <a:buChar char=""/>
+            </a:pPr>
+            <a:r>
+              <a:rPr lang="it-IT" sz="1800" kern="100" dirty="0">
+                <a:effectLst/>
+                <a:latin typeface="Calibri" panose="020F0502020204030204" pitchFamily="34" charset="0"/>
+                <a:ea typeface="Calibri" panose="020F0502020204030204" pitchFamily="34" charset="0"/>
+                <a:cs typeface="Times New Roman" panose="02020603050405020304" pitchFamily="18" charset="0"/>
+              </a:rPr>
+              <a:t>Sequenza</a:t>
+            </a:r>
+          </a:p>
+          <a:p>
+            <a:pPr marL="342900" lvl="0" indent="-342900">
+              <a:lnSpc>
+                <a:spcPct val="107000"/>
+              </a:lnSpc>
+              <a:buFont typeface="Symbol" panose="05050102010706020507" pitchFamily="18" charset="2"/>
+              <a:buChar char=""/>
+            </a:pPr>
+            <a:r>
+              <a:rPr lang="it-IT" sz="1800" kern="100" dirty="0">
+                <a:effectLst/>
+                <a:latin typeface="Calibri" panose="020F0502020204030204" pitchFamily="34" charset="0"/>
+                <a:ea typeface="Calibri" panose="020F0502020204030204" pitchFamily="34" charset="0"/>
+                <a:cs typeface="Times New Roman" panose="02020603050405020304" pitchFamily="18" charset="0"/>
+              </a:rPr>
+              <a:t>Macchina a stati(Evidenziando gli stati del paziente)</a:t>
+            </a:r>
+          </a:p>
+          <a:p>
+            <a:pPr marL="342900" lvl="0" indent="-342900">
+              <a:lnSpc>
+                <a:spcPct val="107000"/>
+              </a:lnSpc>
+              <a:buFont typeface="Symbol" panose="05050102010706020507" pitchFamily="18" charset="2"/>
+              <a:buChar char=""/>
+            </a:pPr>
+            <a:r>
+              <a:rPr lang="it-IT" sz="1800" kern="100" dirty="0">
+                <a:effectLst/>
+                <a:latin typeface="Calibri" panose="020F0502020204030204" pitchFamily="34" charset="0"/>
+                <a:ea typeface="Calibri" panose="020F0502020204030204" pitchFamily="34" charset="0"/>
+                <a:cs typeface="Times New Roman" panose="02020603050405020304" pitchFamily="18" charset="0"/>
+              </a:rPr>
+              <a:t>Componenti</a:t>
+            </a:r>
+          </a:p>
+          <a:p>
+            <a:pPr marL="342900" lvl="0" indent="-342900">
+              <a:lnSpc>
+                <a:spcPct val="107000"/>
+              </a:lnSpc>
+              <a:buFont typeface="Symbol" panose="05050102010706020507" pitchFamily="18" charset="2"/>
+              <a:buChar char=""/>
+            </a:pPr>
+            <a:r>
+              <a:rPr lang="it-IT" sz="1800" kern="100" dirty="0">
+                <a:effectLst/>
+                <a:latin typeface="Calibri" panose="020F0502020204030204" pitchFamily="34" charset="0"/>
+                <a:ea typeface="Calibri" panose="020F0502020204030204" pitchFamily="34" charset="0"/>
+                <a:cs typeface="Times New Roman" panose="02020603050405020304" pitchFamily="18" charset="0"/>
+              </a:rPr>
+              <a:t>Diagramma ER</a:t>
+            </a:r>
+          </a:p>
+          <a:p>
+            <a:pPr marL="342900" lvl="0" indent="-342900">
+              <a:lnSpc>
+                <a:spcPct val="107000"/>
+              </a:lnSpc>
+              <a:spcAft>
+                <a:spcPts val="800"/>
+              </a:spcAft>
+              <a:buFont typeface="Symbol" panose="05050102010706020507" pitchFamily="18" charset="2"/>
+              <a:buChar char=""/>
+            </a:pPr>
+            <a:r>
+              <a:rPr lang="it-IT" sz="1800" kern="100" dirty="0">
+                <a:effectLst/>
+                <a:latin typeface="Calibri" panose="020F0502020204030204" pitchFamily="34" charset="0"/>
+                <a:ea typeface="Calibri" panose="020F0502020204030204" pitchFamily="34" charset="0"/>
+                <a:cs typeface="Times New Roman" panose="02020603050405020304" pitchFamily="18" charset="0"/>
+              </a:rPr>
+              <a:t>Package</a:t>
+            </a:r>
           </a:p>
         </p:txBody>
       </p:sp>
@@ -13079,14 +13244,21 @@
           <a:p>
             <a:r>
               <a:rPr lang="it-IT" dirty="0"/>
-              <a:t>Cosa avete usato per fare testing</a:t>
-            </a:r>
-          </a:p>
-          <a:p>
-            <a:pPr lvl="1"/>
+              <a:t>Per la creazione dei test inizialmente abbiamo utilizzato i test </a:t>
+            </a:r>
+            <a:r>
+              <a:rPr lang="it-IT" dirty="0" err="1"/>
+              <a:t>Junit</a:t>
+            </a:r>
             <a:r>
               <a:rPr lang="it-IT" dirty="0"/>
-              <a:t>Manuale o automatico?</a:t>
+              <a:t> automatico di Eclipse e successivamente implementato manualmente i vari test</a:t>
+            </a:r>
+          </a:p>
+          <a:p>
+            <a:r>
+              <a:rPr lang="it-IT" dirty="0"/>
+              <a:t>//da definire</a:t>
             </a:r>
           </a:p>
           <a:p>
@@ -13221,7 +13393,30 @@
             </a:pPr>
             <a:r>
               <a:rPr lang="it-IT" dirty="0"/>
-              <a:t>Quale è l’obiettivo della vostra applicazione?</a:t>
+              <a:t>sviluppare una soluzione software alternativa volta alla gestione automatica (raccolta, scrittura e consultazione) dei dati che accompagnano il paziente dalla sua accettazione alla dimissione contribuendo a raccogliere una serie di rilevazioni sui parametri vitali, al fine di migliorare l’efficienza ospedaliera e il mantenimento dei dati, il tutto con un’interfaccia semplice e intuitiva.</a:t>
+            </a:r>
+          </a:p>
+          <a:p>
+            <a:pPr marL="0" indent="0">
+              <a:buNone/>
+            </a:pPr>
+            <a:r>
+              <a:rPr lang="it-IT" sz="2800" dirty="0">
+                <a:effectLst/>
+                <a:latin typeface="Calibri" panose="020F0502020204030204" pitchFamily="34" charset="0"/>
+                <a:ea typeface="Calibri" panose="020F0502020204030204" pitchFamily="34" charset="0"/>
+                <a:cs typeface="Times New Roman" panose="02020603050405020304" pitchFamily="18" charset="0"/>
+              </a:rPr>
+              <a:t>Il software gestisce il percorso clinico del paziente dal suo arrivo alla sua dimissione.</a:t>
+            </a:r>
+          </a:p>
+          <a:p>
+            <a:pPr marL="0" indent="0">
+              <a:buNone/>
+            </a:pPr>
+            <a:r>
+              <a:rPr lang="it-IT" dirty="0"/>
+              <a:t> </a:t>
             </a:r>
             <a:endParaRPr lang="en-US" dirty="0"/>
           </a:p>
@@ -13341,9 +13536,62 @@
           <a:lstStyle/>
           <a:p>
             <a:r>
-              <a:rPr lang="it-IT" dirty="0"/>
-              <a:t>Quali difficoltà avete incontrato durante il progetto (comunicazione, utilizzo tool,….)</a:t>
-            </a:r>
+              <a:rPr lang="en-US" dirty="0" err="1"/>
+              <a:t>Utilizzo</a:t>
+            </a:r>
+            <a:r>
+              <a:rPr lang="en-US" dirty="0"/>
+              <a:t> di </a:t>
+            </a:r>
+            <a:r>
+              <a:rPr lang="en-US" dirty="0" err="1"/>
+              <a:t>Github</a:t>
+            </a:r>
+            <a:r>
+              <a:rPr lang="en-US" dirty="0"/>
+              <a:t>(</a:t>
+            </a:r>
+            <a:r>
+              <a:rPr lang="en-US" dirty="0" err="1"/>
+              <a:t>inizialmente</a:t>
+            </a:r>
+            <a:r>
+              <a:rPr lang="en-US" dirty="0"/>
+              <a:t>)</a:t>
+            </a:r>
+          </a:p>
+          <a:p>
+            <a:r>
+              <a:rPr lang="en-US" dirty="0" err="1"/>
+              <a:t>Realizzazione</a:t>
+            </a:r>
+            <a:r>
+              <a:rPr lang="en-US" dirty="0"/>
+              <a:t> del </a:t>
+            </a:r>
+            <a:r>
+              <a:rPr lang="en-US" dirty="0" err="1"/>
+              <a:t>diagramma</a:t>
+            </a:r>
+            <a:r>
+              <a:rPr lang="en-US" dirty="0"/>
+              <a:t> </a:t>
+            </a:r>
+            <a:r>
+              <a:rPr lang="en-US" dirty="0" err="1"/>
+              <a:t>delle</a:t>
+            </a:r>
+            <a:r>
+              <a:rPr lang="en-US" dirty="0"/>
+              <a:t> </a:t>
+            </a:r>
+            <a:r>
+              <a:rPr lang="en-US" dirty="0" err="1"/>
+              <a:t>classi</a:t>
+            </a:r>
+            <a:endParaRPr lang="en-US" dirty="0"/>
+          </a:p>
+          <a:p>
             <a:endParaRPr lang="en-US" dirty="0"/>
           </a:p>
         </p:txBody>
@@ -13463,19 +13711,68 @@
           <a:p>
             <a:r>
               <a:rPr lang="it-IT" dirty="0"/>
-              <a:t>Spiegare i paradigmi di programmazione  (programmazione oggetti,…??) e modellazione (UML???)</a:t>
+              <a:t>Programmazione: Programmazione ad oggetti</a:t>
             </a:r>
           </a:p>
           <a:p>
             <a:r>
               <a:rPr lang="it-IT" dirty="0"/>
-              <a:t>Linguaggio di programmazione usato</a:t>
+              <a:t>Modellazione: Diagrammi UML</a:t>
             </a:r>
           </a:p>
           <a:p>
             <a:r>
               <a:rPr lang="it-IT" dirty="0"/>
-              <a:t>Elencare i tool utilizzati durante il progetto</a:t>
+              <a:t>Linguaggi di programmazione : </a:t>
+            </a:r>
+            <a:r>
+              <a:rPr lang="it-IT" dirty="0" err="1"/>
+              <a:t>java,markdown,SQL</a:t>
+            </a:r>
+            <a:endParaRPr lang="it-IT" dirty="0"/>
+          </a:p>
+          <a:p>
+            <a:r>
+              <a:rPr lang="it-IT" dirty="0"/>
+              <a:t>Elencare i tool utilizzati durante il progetto:</a:t>
+            </a:r>
+          </a:p>
+          <a:p>
+            <a:r>
+              <a:rPr lang="it-IT" dirty="0"/>
+              <a:t>Eclipse IDE ,</a:t>
+            </a:r>
+            <a:r>
+              <a:rPr lang="it-IT" dirty="0" err="1"/>
+              <a:t>StarUML,Github</a:t>
+            </a:r>
+            <a:r>
+              <a:rPr lang="it-IT" dirty="0"/>
+              <a:t>/</a:t>
+            </a:r>
+            <a:r>
+              <a:rPr lang="it-IT" dirty="0" err="1"/>
+              <a:t>Github</a:t>
+            </a:r>
+            <a:r>
+              <a:rPr lang="it-IT" dirty="0"/>
+              <a:t> </a:t>
+            </a:r>
+            <a:r>
+              <a:rPr lang="it-IT" dirty="0" err="1"/>
+              <a:t>Desktop,draw.io,tool</a:t>
+            </a:r>
+            <a:r>
+              <a:rPr lang="it-IT" dirty="0"/>
+              <a:t> di </a:t>
+            </a:r>
+            <a:r>
+              <a:rPr lang="it-IT" dirty="0" err="1"/>
+              <a:t>eclipse:Window</a:t>
+            </a:r>
+            <a:r>
+              <a:rPr lang="it-IT"/>
+              <a:t> Builder</a:t>
             </a:r>
             <a:endParaRPr lang="en-US" dirty="0"/>
           </a:p>
@@ -13596,15 +13893,29 @@
           <a:p>
             <a:r>
               <a:rPr lang="it-IT" dirty="0"/>
-              <a:t>Quale tool avete usato per software </a:t>
+              <a:t>GitHub</a:t>
+            </a:r>
+          </a:p>
+          <a:p>
+            <a:r>
+              <a:rPr lang="it-IT" dirty="0"/>
+              <a:t>Tramite l’utilizzo di </a:t>
             </a:r>
             <a:r>
               <a:rPr lang="it-IT" dirty="0" err="1"/>
-              <a:t>configuration</a:t>
+              <a:t>Issues,branches,pull</a:t>
             </a:r>
             <a:r>
               <a:rPr lang="it-IT" dirty="0"/>
-              <a:t> management (GitHub,….????)</a:t>
+              <a:t> </a:t>
+            </a:r>
+            <a:r>
+              <a:rPr lang="it-IT" dirty="0" err="1"/>
+              <a:t>request</a:t>
+            </a:r>
+            <a:r>
+              <a:rPr lang="it-IT" dirty="0"/>
+              <a:t>, </a:t>
             </a:r>
           </a:p>
           <a:p>
@@ -13741,16 +14052,40 @@
           <a:p>
             <a:r>
               <a:rPr lang="it-IT" dirty="0"/>
-              <a:t>Spiegare il software life </a:t>
-            </a:r>
-            <a:r>
-              <a:rPr lang="it-IT" dirty="0" err="1"/>
-              <a:t>cycle</a:t>
-            </a:r>
+              <a:t>METODO SCRUM</a:t>
+            </a:r>
+          </a:p>
+          <a:p>
             <a:r>
               <a:rPr lang="it-IT" dirty="0"/>
-              <a:t> utilizzato</a:t>
-            </a:r>
+              <a:t>Analisi requisiti: esigenze e specifiche software</a:t>
+            </a:r>
+          </a:p>
+          <a:p>
+            <a:r>
+              <a:rPr lang="it-IT" dirty="0"/>
+              <a:t>Progettazione: creazione di una soluzione per il soddisfacimento requisiti</a:t>
+            </a:r>
+          </a:p>
+          <a:p>
+            <a:r>
+              <a:rPr lang="it-IT" dirty="0"/>
+              <a:t>Sviluppo: implementazione e scrittura del codice</a:t>
+            </a:r>
+          </a:p>
+          <a:p>
+            <a:r>
+              <a:rPr lang="it-IT" dirty="0"/>
+              <a:t>Testing: test delle parti principali del codice</a:t>
+            </a:r>
+          </a:p>
+          <a:p>
+            <a:endParaRPr lang="it-IT" dirty="0"/>
+          </a:p>
+          <a:p>
+            <a:pPr marL="0" indent="0">
+              <a:buNone/>
+            </a:pPr>
             <a:endParaRPr lang="en-US" dirty="0"/>
           </a:p>
         </p:txBody>
@@ -13874,9 +14209,27 @@
               <a:rPr lang="it-IT" dirty="0">
                 <a:cs typeface="Calibri"/>
               </a:rPr>
-              <a:t>Spiegare come avete estratto i requisiti e dove li avete specificati</a:t>
-            </a:r>
-            <a:endParaRPr lang="en-US">
+              <a:t>I requisiti sono stati specificati nel file ‘’Documentazione del progetto.pdf’’.</a:t>
+            </a:r>
+          </a:p>
+          <a:p>
+            <a:pPr marL="457200" algn="just">
+              <a:lnSpc>
+                <a:spcPct val="115000"/>
+              </a:lnSpc>
+            </a:pPr>
+            <a:r>
+              <a:rPr lang="it-IT" sz="1800" dirty="0">
+                <a:effectLst/>
+                <a:latin typeface="Calibri" panose="020F0502020204030204" pitchFamily="34" charset="0"/>
+                <a:ea typeface="Calibri" panose="020F0502020204030204" pitchFamily="34" charset="0"/>
+                <a:cs typeface="Times New Roman" panose="02020603050405020304" pitchFamily="18" charset="0"/>
+              </a:rPr>
+              <a:t>I requisiti sono stati elicitati tramite intervista diretta con un possibile cliente, un operatore in campo ospedaliero, e attraverso l’analisi delle funzionalità del software ospedaliero attualmente utilizzato in alcune strutture del territorio.</a:t>
+            </a:r>
+          </a:p>
+          <a:p>
+            <a:endParaRPr lang="en-US" dirty="0">
               <a:cs typeface="Calibri"/>
             </a:endParaRPr>
           </a:p>
@@ -13992,13 +14345,165 @@
         </p:nvSpPr>
         <p:spPr/>
         <p:txBody>
-          <a:bodyPr/>
+          <a:bodyPr>
+            <a:normAutofit fontScale="92500" lnSpcReduction="10000"/>
+          </a:bodyPr>
           <a:lstStyle/>
           <a:p>
             <a:r>
               <a:rPr lang="it-IT" dirty="0"/>
-              <a:t>Spiegare lo stile architetturale utilizzato</a:t>
-            </a:r>
+              <a:t>Variante Stile MVC(Model-</a:t>
+            </a:r>
+            <a:r>
+              <a:rPr lang="it-IT" dirty="0" err="1"/>
+              <a:t>View</a:t>
+            </a:r>
+            <a:r>
+              <a:rPr lang="it-IT" dirty="0"/>
+              <a:t>-Controller)</a:t>
+            </a:r>
+          </a:p>
+          <a:p>
+            <a:pPr marL="457200" algn="just">
+              <a:lnSpc>
+                <a:spcPct val="115000"/>
+              </a:lnSpc>
+            </a:pPr>
+            <a:r>
+              <a:rPr lang="it-IT" sz="1800" dirty="0">
+                <a:effectLst/>
+                <a:latin typeface="Calibri" panose="020F0502020204030204" pitchFamily="34" charset="0"/>
+                <a:ea typeface="Calibri" panose="020F0502020204030204" pitchFamily="34" charset="0"/>
+                <a:cs typeface="Times New Roman" panose="02020603050405020304" pitchFamily="18" charset="0"/>
+              </a:rPr>
+              <a:t>La prospettiva iniziale consisteva nello strutturare il progetto utilizzando un’architettura a tre livelli: database, logico, interfaccia; in seguito il team ha ritenuto più opportuno optare per un altro stile architettonico: una variante dello stile Model-</a:t>
+            </a:r>
+            <a:r>
+              <a:rPr lang="it-IT" sz="1800" dirty="0" err="1">
+                <a:effectLst/>
+                <a:latin typeface="Calibri" panose="020F0502020204030204" pitchFamily="34" charset="0"/>
+                <a:ea typeface="Calibri" panose="020F0502020204030204" pitchFamily="34" charset="0"/>
+                <a:cs typeface="Times New Roman" panose="02020603050405020304" pitchFamily="18" charset="0"/>
+              </a:rPr>
+              <a:t>View</a:t>
+            </a:r>
+            <a:r>
+              <a:rPr lang="it-IT" sz="1800" dirty="0">
+                <a:effectLst/>
+                <a:latin typeface="Calibri" panose="020F0502020204030204" pitchFamily="34" charset="0"/>
+                <a:ea typeface="Calibri" panose="020F0502020204030204" pitchFamily="34" charset="0"/>
+                <a:cs typeface="Times New Roman" panose="02020603050405020304" pitchFamily="18" charset="0"/>
+              </a:rPr>
+              <a:t>-Controller.</a:t>
+            </a:r>
+          </a:p>
+          <a:p>
+            <a:pPr marL="457200" algn="just">
+              <a:lnSpc>
+                <a:spcPct val="115000"/>
+              </a:lnSpc>
+            </a:pPr>
+            <a:r>
+              <a:rPr lang="it-IT" sz="1800" dirty="0">
+                <a:effectLst/>
+                <a:latin typeface="Calibri" panose="020F0502020204030204" pitchFamily="34" charset="0"/>
+                <a:ea typeface="Calibri" panose="020F0502020204030204" pitchFamily="34" charset="0"/>
+                <a:cs typeface="Times New Roman" panose="02020603050405020304" pitchFamily="18" charset="0"/>
+              </a:rPr>
+              <a:t>In questa architettura il ruolo di Controller viene eseguito dal pacchetto “logico”, che si appoggia a dati e funzionalità offerti dal pacchetto di gestione del database.</a:t>
+            </a:r>
+          </a:p>
+          <a:p>
+            <a:pPr marL="457200" algn="just">
+              <a:lnSpc>
+                <a:spcPct val="115000"/>
+              </a:lnSpc>
+            </a:pPr>
+            <a:r>
+              <a:rPr lang="it-IT" sz="1800" dirty="0">
+                <a:effectLst/>
+                <a:latin typeface="Calibri" panose="020F0502020204030204" pitchFamily="34" charset="0"/>
+                <a:ea typeface="Calibri" panose="020F0502020204030204" pitchFamily="34" charset="0"/>
+                <a:cs typeface="Times New Roman" panose="02020603050405020304" pitchFamily="18" charset="0"/>
+              </a:rPr>
+              <a:t>Il controller accetta le chiamate implicite provenienti dal livello </a:t>
+            </a:r>
+            <a:r>
+              <a:rPr lang="it-IT" sz="1800" dirty="0" err="1">
+                <a:effectLst/>
+                <a:latin typeface="Calibri" panose="020F0502020204030204" pitchFamily="34" charset="0"/>
+                <a:ea typeface="Calibri" panose="020F0502020204030204" pitchFamily="34" charset="0"/>
+                <a:cs typeface="Times New Roman" panose="02020603050405020304" pitchFamily="18" charset="0"/>
+              </a:rPr>
+              <a:t>View</a:t>
+            </a:r>
+            <a:r>
+              <a:rPr lang="it-IT" sz="1800" dirty="0">
+                <a:effectLst/>
+                <a:latin typeface="Calibri" panose="020F0502020204030204" pitchFamily="34" charset="0"/>
+                <a:ea typeface="Calibri" panose="020F0502020204030204" pitchFamily="34" charset="0"/>
+                <a:cs typeface="Times New Roman" panose="02020603050405020304" pitchFamily="18" charset="0"/>
+              </a:rPr>
+              <a:t>, identificato dal pacchetto “GUI”, e attua dunque le necessarie manipolazioni sui dati utilizzando metodi JOOQ e/o i metodi forniti dalle classi del gestore del database (inserimento, rimozione e modifica).</a:t>
+            </a:r>
+          </a:p>
+          <a:p>
+            <a:pPr marL="457200" algn="just">
+              <a:lnSpc>
+                <a:spcPct val="115000"/>
+              </a:lnSpc>
+              <a:spcAft>
+                <a:spcPts val="800"/>
+              </a:spcAft>
+            </a:pPr>
+            <a:r>
+              <a:rPr lang="it-IT" sz="1800" dirty="0">
+                <a:effectLst/>
+                <a:latin typeface="Calibri" panose="020F0502020204030204" pitchFamily="34" charset="0"/>
+                <a:ea typeface="Calibri" panose="020F0502020204030204" pitchFamily="34" charset="0"/>
+                <a:cs typeface="Times New Roman" panose="02020603050405020304" pitchFamily="18" charset="0"/>
+              </a:rPr>
+              <a:t>I dati raccolti dal logico sono dunque caricati sul Model, rappresentato per l’appunto dal pacchetto “model”, che permette la loro corretta visualizzazione sull’interfaccia utente.</a:t>
+            </a:r>
+          </a:p>
+          <a:p>
+            <a:pPr indent="449580" algn="just">
+              <a:lnSpc>
+                <a:spcPct val="115000"/>
+              </a:lnSpc>
+              <a:spcAft>
+                <a:spcPts val="800"/>
+              </a:spcAft>
+            </a:pPr>
+            <a:r>
+              <a:rPr lang="it-IT" sz="1800" dirty="0">
+                <a:effectLst/>
+                <a:latin typeface="Calibri" panose="020F0502020204030204" pitchFamily="34" charset="0"/>
+                <a:ea typeface="Calibri" panose="020F0502020204030204" pitchFamily="34" charset="0"/>
+                <a:cs typeface="Times New Roman" panose="02020603050405020304" pitchFamily="18" charset="0"/>
+              </a:rPr>
+              <a:t>La chiamata di aggiornamento della </a:t>
+            </a:r>
+            <a:r>
+              <a:rPr lang="it-IT" sz="1800" dirty="0" err="1">
+                <a:effectLst/>
+                <a:latin typeface="Calibri" panose="020F0502020204030204" pitchFamily="34" charset="0"/>
+                <a:ea typeface="Calibri" panose="020F0502020204030204" pitchFamily="34" charset="0"/>
+                <a:cs typeface="Times New Roman" panose="02020603050405020304" pitchFamily="18" charset="0"/>
+              </a:rPr>
+              <a:t>View</a:t>
+            </a:r>
+            <a:r>
+              <a:rPr lang="it-IT" sz="1800" dirty="0">
+                <a:effectLst/>
+                <a:latin typeface="Calibri" panose="020F0502020204030204" pitchFamily="34" charset="0"/>
+                <a:ea typeface="Calibri" panose="020F0502020204030204" pitchFamily="34" charset="0"/>
+                <a:cs typeface="Times New Roman" panose="02020603050405020304" pitchFamily="18" charset="0"/>
+              </a:rPr>
+              <a:t> con i dati del Modello è eseguita dal Controller.</a:t>
+            </a:r>
+          </a:p>
+          <a:p>
             <a:endParaRPr lang="en-US" dirty="0"/>
           </a:p>
         </p:txBody>
@@ -14094,8 +14599,13 @@
             </a:r>
             <a:r>
               <a:rPr lang="it-IT" sz="4400" b="1" dirty="0"/>
-              <a:t>esign pattern</a:t>
-            </a:r>
+              <a:t>esign </a:t>
+            </a:r>
+            <a:r>
+              <a:rPr lang="it-IT" sz="4400" b="1" dirty="0" err="1"/>
+              <a:t>pattern:SingleTon</a:t>
+            </a:r>
+            <a:endParaRPr lang="it-IT" sz="4400" b="1" dirty="0"/>
           </a:p>
         </p:txBody>
       </p:sp>
@@ -14115,22 +14625,54 @@
             <p:ph idx="1"/>
           </p:nvPr>
         </p:nvSpPr>
-        <p:spPr/>
+        <p:spPr>
+          <a:xfrm>
+            <a:off x="838200" y="1825625"/>
+            <a:ext cx="10515600" cy="4351338"/>
+          </a:xfrm>
+        </p:spPr>
         <p:txBody>
           <a:bodyPr/>
           <a:lstStyle/>
           <a:p>
-            <a:r>
-              <a:rPr lang="it-IT" dirty="0"/>
-              <a:t>Quali design pattern avete utilizzato nel progetto</a:t>
-            </a:r>
-          </a:p>
-          <a:p>
-            <a:r>
-              <a:rPr lang="it-IT" dirty="0"/>
-              <a:t>Metriche di qualità del progetto</a:t>
-            </a:r>
-            <a:endParaRPr lang="en-US" dirty="0"/>
+            <a:pPr marL="670560" indent="0">
+              <a:lnSpc>
+                <a:spcPct val="107000"/>
+              </a:lnSpc>
+              <a:spcAft>
+                <a:spcPts val="800"/>
+              </a:spcAft>
+              <a:buNone/>
+            </a:pPr>
+            <a:r>
+              <a:rPr lang="it-IT" sz="1800" dirty="0">
+                <a:effectLst/>
+                <a:latin typeface="Calibri" panose="020F0502020204030204" pitchFamily="34" charset="0"/>
+                <a:ea typeface="Calibri" panose="020F0502020204030204" pitchFamily="34" charset="0"/>
+                <a:cs typeface="Times New Roman" panose="02020603050405020304" pitchFamily="18" charset="0"/>
+              </a:rPr>
+              <a:t>Nel corso dell'implementazione del codice, si è scelto di applicare il pattern singleton per la creazione progetto database, assicurando che la classe possa avere una sola istanza al suo interno. Questo risultato è ottenuto mediante l'uso di un'unica istanza privata, un costruttore privato e, infine, un metodo pubblico che consente di richiamare l'istanza quando necessario.</a:t>
+            </a:r>
+          </a:p>
+          <a:p>
+            <a:pPr marL="670560" indent="0">
+              <a:lnSpc>
+                <a:spcPct val="107000"/>
+              </a:lnSpc>
+              <a:spcAft>
+                <a:spcPts val="800"/>
+              </a:spcAft>
+              <a:buNone/>
+            </a:pPr>
+            <a:r>
+              <a:rPr lang="it-IT" sz="1800" dirty="0">
+                <a:effectLst/>
+                <a:latin typeface="Calibri" panose="020F0502020204030204" pitchFamily="34" charset="0"/>
+                <a:ea typeface="Calibri" panose="020F0502020204030204" pitchFamily="34" charset="0"/>
+                <a:cs typeface="Times New Roman" panose="02020603050405020304" pitchFamily="18" charset="0"/>
+              </a:rPr>
+              <a:t>// da definire</a:t>
+            </a:r>
           </a:p>
         </p:txBody>
       </p:sp>
@@ -15064,12 +15606,6 @@
 </file>
 
 <file path=customXml/item1.xml><?xml version="1.0" encoding="utf-8"?>
-<p:properties xmlns:p="http://schemas.microsoft.com/office/2006/metadata/properties" xmlns:xsi="http://www.w3.org/2001/XMLSchema-instance" xmlns:pc="http://schemas.microsoft.com/office/infopath/2007/PartnerControls">
-  <documentManagement/>
-</p:properties>
-</file>
-
-<file path=customXml/item2.xml><?xml version="1.0" encoding="utf-8"?>
 <ct:contentTypeSchema xmlns:ct="http://schemas.microsoft.com/office/2006/metadata/contentType" xmlns:ma="http://schemas.microsoft.com/office/2006/metadata/properties/metaAttributes" ct:_="" ma:_="" ma:contentTypeName="Document" ma:contentTypeID="0x0101001635413B0FD509468AE9D9ED9823AC84" ma:contentTypeVersion="7" ma:contentTypeDescription="Create a new document." ma:contentTypeScope="" ma:versionID="9701220011fd7990fc10cbce56856021">
   <xsd:schema xmlns:xsd="http://www.w3.org/2001/XMLSchema" xmlns:xs="http://www.w3.org/2001/XMLSchema" xmlns:p="http://schemas.microsoft.com/office/2006/metadata/properties" xmlns:ns2="7b568a1d-cbd4-4b29-accd-dd2e5eba356f" targetNamespace="http://schemas.microsoft.com/office/2006/metadata/properties" ma:root="true" ma:fieldsID="a69b60987e51488c2da8121c7d762c26" ns2:_="">
     <xsd:import namespace="7b568a1d-cbd4-4b29-accd-dd2e5eba356f"/>
@@ -15231,6 +15767,12 @@
 </ct:contentTypeSchema>
 </file>
 
+<file path=customXml/item2.xml><?xml version="1.0" encoding="utf-8"?>
+<p:properties xmlns:p="http://schemas.microsoft.com/office/2006/metadata/properties" xmlns:xsi="http://www.w3.org/2001/XMLSchema-instance" xmlns:pc="http://schemas.microsoft.com/office/infopath/2007/PartnerControls">
+  <documentManagement/>
+</p:properties>
+</file>
+
 <file path=customXml/item3.xml><?xml version="1.0" encoding="utf-8"?>
 <?mso-contentType ?>
 <FormTemplates xmlns="http://schemas.microsoft.com/sharepoint/v3/contenttype/forms">
@@ -15241,19 +15783,6 @@
 </file>
 
 <file path=customXml/itemProps1.xml><?xml version="1.0" encoding="utf-8"?>
-<ds:datastoreItem xmlns:ds="http://schemas.openxmlformats.org/officeDocument/2006/customXml" ds:itemID="{7F97B18F-50BC-4F30-8373-93489E845F83}">
-  <ds:schemaRefs>
-    <ds:schemaRef ds:uri="http://schemas.microsoft.com/office/2006/metadata/properties"/>
-    <ds:schemaRef ds:uri="http://schemas.microsoft.com/office/infopath/2007/PartnerControls"/>
-    <ds:schemaRef ds:uri="http://schemas.microsoft.com/sharepoint/v3"/>
-    <ds:schemaRef ds:uri="71af3243-3dd4-4a8d-8c0d-dd76da1f02a5"/>
-    <ds:schemaRef ds:uri="230e9df3-be65-4c73-a93b-d1236ebd677e"/>
-    <ds:schemaRef ds:uri="36d25196-f32b-43e1-8250-558e57115123"/>
-  </ds:schemaRefs>
-</ds:datastoreItem>
-</file>
-
-<file path=customXml/itemProps2.xml><?xml version="1.0" encoding="utf-8"?>
 <ds:datastoreItem xmlns:ds="http://schemas.openxmlformats.org/officeDocument/2006/customXml" ds:itemID="{C60E88DB-38F6-495A-B0F0-484DD6B42D81}">
   <ds:schemaRefs>
     <ds:schemaRef ds:uri="http://schemas.microsoft.com/office/2006/metadata/contentType"/>
@@ -15271,6 +15800,19 @@
 </ds:datastoreItem>
 </file>
 
+<file path=customXml/itemProps2.xml><?xml version="1.0" encoding="utf-8"?>
+<ds:datastoreItem xmlns:ds="http://schemas.openxmlformats.org/officeDocument/2006/customXml" ds:itemID="{7F97B18F-50BC-4F30-8373-93489E845F83}">
+  <ds:schemaRefs>
+    <ds:schemaRef ds:uri="http://schemas.microsoft.com/office/2006/metadata/properties"/>
+    <ds:schemaRef ds:uri="http://schemas.microsoft.com/office/infopath/2007/PartnerControls"/>
+    <ds:schemaRef ds:uri="http://schemas.microsoft.com/sharepoint/v3"/>
+    <ds:schemaRef ds:uri="71af3243-3dd4-4a8d-8c0d-dd76da1f02a5"/>
+    <ds:schemaRef ds:uri="230e9df3-be65-4c73-a93b-d1236ebd677e"/>
+    <ds:schemaRef ds:uri="36d25196-f32b-43e1-8250-558e57115123"/>
+  </ds:schemaRefs>
+</ds:datastoreItem>
+</file>
+
 <file path=customXml/itemProps3.xml><?xml version="1.0" encoding="utf-8"?>
 <ds:datastoreItem xmlns:ds="http://schemas.openxmlformats.org/officeDocument/2006/customXml" ds:itemID="{42BC90D6-94CF-42F7-AAC4-9CF6824C54D5}">
   <ds:schemaRefs>

--- a/MED/doc/Presentazione M.E.D.pptx
+++ b/MED/doc/Presentazione M.E.D.pptx
@@ -409,7 +409,7 @@
             <a:pPr rtl="0"/>
             <a:fld id="{DBC54730-5EBA-4920-A6C4-7F8458A7F940}" type="datetime1">
               <a:rPr lang="it-IT" smtClean="0"/>
-              <a:t>17/01/2024</a:t>
+              <a:t>18/01/2024</a:t>
             </a:fld>
             <a:endParaRPr lang="it-IT"/>
           </a:p>
@@ -591,7 +591,7 @@
             <a:fld id="{85EC1C34-318D-43A8-83F5-3AC8647FE75E}" type="datetime1">
               <a:rPr lang="it-IT" smtClean="0"/>
               <a:pPr/>
-              <a:t>17/01/2024</a:t>
+              <a:t>18/01/2024</a:t>
             </a:fld>
             <a:endParaRPr lang="it-IT" dirty="0"/>
           </a:p>
@@ -12600,7 +12600,7 @@
           <a:p>
             <a:r>
               <a:rPr lang="it-IT" dirty="0"/>
-              <a:t>L’implementazione è completa, il sistema è completamente funzionante ed è eseguibile da terminale</a:t>
+              <a:t>L’implementazione è completa, il sistema è completamente funzionante ed è eseguibile tramite il file main.java, presente nel progetto logica, all’interno della cartella ‘’eseguibile’’</a:t>
             </a:r>
           </a:p>
           <a:p>
@@ -13392,28 +13392,15 @@
               <a:buNone/>
             </a:pPr>
             <a:r>
-              <a:rPr lang="it-IT" dirty="0"/>
-              <a:t>sviluppare una soluzione software alternativa volta alla gestione automatica (raccolta, scrittura e consultazione) dei dati che accompagnano il paziente dalla sua accettazione alla dimissione contribuendo a raccogliere una serie di rilevazioni sui parametri vitali, al fine di migliorare l’efficienza ospedaliera e il mantenimento dei dati, il tutto con un’interfaccia semplice e intuitiva.</a:t>
-            </a:r>
-          </a:p>
-          <a:p>
-            <a:pPr marL="0" indent="0">
-              <a:buNone/>
-            </a:pPr>
-            <a:r>
-              <a:rPr lang="it-IT" sz="2800" dirty="0">
+              <a:rPr lang="it-IT" b="0" i="0" dirty="0">
+                <a:solidFill>
+                  <a:srgbClr val="374151"/>
+                </a:solidFill>
                 <a:effectLst/>
-                <a:latin typeface="Calibri" panose="020F0502020204030204" pitchFamily="34" charset="0"/>
-                <a:ea typeface="Calibri" panose="020F0502020204030204" pitchFamily="34" charset="0"/>
-                <a:cs typeface="Times New Roman" panose="02020603050405020304" pitchFamily="18" charset="0"/>
+                <a:latin typeface="Söhne"/>
               </a:rPr>
-              <a:t>Il software gestisce il percorso clinico del paziente dal suo arrivo alla sua dimissione.</a:t>
-            </a:r>
-          </a:p>
-          <a:p>
-            <a:pPr marL="0" indent="0">
-              <a:buNone/>
-            </a:pPr>
+              <a:t>L'obiettivo del progetto è  di sviluppare un software alternativo finalizzato alla gestione automatica dei dati relativi al percorso clinico del paziente, compresi raccolta, scrittura e consultazione. Questa soluzione mira a raccogliere informazioni sui parametri vitali al fine di migliorare l'efficienza ospedaliera e la gestione dei dati. Il software è progettato con un'interfaccia semplice e intuitiva per facilitare l'utilizzo durante tutto il processo,  gestendo il percorso clinico del paziente dal suo arrivo fino alla sua dimissione.</a:t>
+            </a:r>
             <a:r>
               <a:rPr lang="it-IT" dirty="0"/>
               <a:t> </a:t>
@@ -13676,7 +13663,7 @@
         <p:spPr/>
         <p:txBody>
           <a:bodyPr rtlCol="0">
-            <a:normAutofit fontScale="90000"/>
+            <a:normAutofit/>
           </a:bodyPr>
           <a:lstStyle/>
           <a:p>
@@ -14205,23 +14192,15 @@
           </a:bodyPr>
           <a:lstStyle/>
           <a:p>
-            <a:r>
-              <a:rPr lang="it-IT" dirty="0">
-                <a:cs typeface="Calibri"/>
-              </a:rPr>
-              <a:t>I requisiti sono stati specificati nel file ‘’Documentazione del progetto.pdf’’.</a:t>
-            </a:r>
-          </a:p>
-          <a:p>
-            <a:pPr marL="457200" algn="just">
+            <a:pPr indent="0" algn="just">
               <a:lnSpc>
                 <a:spcPct val="115000"/>
               </a:lnSpc>
+              <a:buNone/>
             </a:pPr>
             <a:r>
-              <a:rPr lang="it-IT" sz="1800" dirty="0">
+              <a:rPr lang="it-IT" dirty="0">
                 <a:effectLst/>
-                <a:latin typeface="Calibri" panose="020F0502020204030204" pitchFamily="34" charset="0"/>
                 <a:ea typeface="Calibri" panose="020F0502020204030204" pitchFamily="34" charset="0"/>
                 <a:cs typeface="Times New Roman" panose="02020603050405020304" pitchFamily="18" charset="0"/>
               </a:rPr>
@@ -14229,6 +14208,38 @@
             </a:r>
           </a:p>
           <a:p>
+            <a:pPr marL="0" indent="0" algn="ctr">
+              <a:buNone/>
+            </a:pPr>
+            <a:r>
+              <a:rPr lang="it-IT" b="0" i="0" dirty="0">
+                <a:solidFill>
+                  <a:srgbClr val="374151"/>
+                </a:solidFill>
+                <a:effectLst/>
+                <a:latin typeface="Söhne"/>
+              </a:rPr>
+              <a:t>Tutti i dettagli relativi ai requisiti sono stati dettagliatamente descritti         </a:t>
+            </a:r>
+            <a:r>
+              <a:rPr lang="it-IT" dirty="0">
+                <a:solidFill>
+                  <a:srgbClr val="374151"/>
+                </a:solidFill>
+                <a:latin typeface="Söhne"/>
+              </a:rPr>
+              <a:t> </a:t>
+            </a:r>
+            <a:r>
+              <a:rPr lang="it-IT" b="0" i="0" dirty="0">
+                <a:solidFill>
+                  <a:srgbClr val="374151"/>
+                </a:solidFill>
+                <a:effectLst/>
+                <a:latin typeface="Söhne"/>
+              </a:rPr>
+              <a:t>nel documento denominato "Documentazione del progetto.pdf".</a:t>
+            </a:r>
             <a:endParaRPr lang="en-US" dirty="0">
               <a:cs typeface="Calibri"/>
             </a:endParaRPr>
@@ -15606,6 +15617,12 @@
 </file>
 
 <file path=customXml/item1.xml><?xml version="1.0" encoding="utf-8"?>
+<p:properties xmlns:p="http://schemas.microsoft.com/office/2006/metadata/properties" xmlns:xsi="http://www.w3.org/2001/XMLSchema-instance" xmlns:pc="http://schemas.microsoft.com/office/infopath/2007/PartnerControls">
+  <documentManagement/>
+</p:properties>
+</file>
+
+<file path=customXml/item2.xml><?xml version="1.0" encoding="utf-8"?>
 <ct:contentTypeSchema xmlns:ct="http://schemas.microsoft.com/office/2006/metadata/contentType" xmlns:ma="http://schemas.microsoft.com/office/2006/metadata/properties/metaAttributes" ct:_="" ma:_="" ma:contentTypeName="Document" ma:contentTypeID="0x0101001635413B0FD509468AE9D9ED9823AC84" ma:contentTypeVersion="7" ma:contentTypeDescription="Create a new document." ma:contentTypeScope="" ma:versionID="9701220011fd7990fc10cbce56856021">
   <xsd:schema xmlns:xsd="http://www.w3.org/2001/XMLSchema" xmlns:xs="http://www.w3.org/2001/XMLSchema" xmlns:p="http://schemas.microsoft.com/office/2006/metadata/properties" xmlns:ns2="7b568a1d-cbd4-4b29-accd-dd2e5eba356f" targetNamespace="http://schemas.microsoft.com/office/2006/metadata/properties" ma:root="true" ma:fieldsID="a69b60987e51488c2da8121c7d762c26" ns2:_="">
     <xsd:import namespace="7b568a1d-cbd4-4b29-accd-dd2e5eba356f"/>
@@ -15767,12 +15784,6 @@
 </ct:contentTypeSchema>
 </file>
 
-<file path=customXml/item2.xml><?xml version="1.0" encoding="utf-8"?>
-<p:properties xmlns:p="http://schemas.microsoft.com/office/2006/metadata/properties" xmlns:xsi="http://www.w3.org/2001/XMLSchema-instance" xmlns:pc="http://schemas.microsoft.com/office/infopath/2007/PartnerControls">
-  <documentManagement/>
-</p:properties>
-</file>
-
 <file path=customXml/item3.xml><?xml version="1.0" encoding="utf-8"?>
 <?mso-contentType ?>
 <FormTemplates xmlns="http://schemas.microsoft.com/sharepoint/v3/contenttype/forms">
@@ -15783,6 +15794,19 @@
 </file>
 
 <file path=customXml/itemProps1.xml><?xml version="1.0" encoding="utf-8"?>
+<ds:datastoreItem xmlns:ds="http://schemas.openxmlformats.org/officeDocument/2006/customXml" ds:itemID="{7F97B18F-50BC-4F30-8373-93489E845F83}">
+  <ds:schemaRefs>
+    <ds:schemaRef ds:uri="http://schemas.microsoft.com/office/2006/metadata/properties"/>
+    <ds:schemaRef ds:uri="http://schemas.microsoft.com/office/infopath/2007/PartnerControls"/>
+    <ds:schemaRef ds:uri="http://schemas.microsoft.com/sharepoint/v3"/>
+    <ds:schemaRef ds:uri="71af3243-3dd4-4a8d-8c0d-dd76da1f02a5"/>
+    <ds:schemaRef ds:uri="230e9df3-be65-4c73-a93b-d1236ebd677e"/>
+    <ds:schemaRef ds:uri="36d25196-f32b-43e1-8250-558e57115123"/>
+  </ds:schemaRefs>
+</ds:datastoreItem>
+</file>
+
+<file path=customXml/itemProps2.xml><?xml version="1.0" encoding="utf-8"?>
 <ds:datastoreItem xmlns:ds="http://schemas.openxmlformats.org/officeDocument/2006/customXml" ds:itemID="{C60E88DB-38F6-495A-B0F0-484DD6B42D81}">
   <ds:schemaRefs>
     <ds:schemaRef ds:uri="http://schemas.microsoft.com/office/2006/metadata/contentType"/>
@@ -15800,19 +15824,6 @@
 </ds:datastoreItem>
 </file>
 
-<file path=customXml/itemProps2.xml><?xml version="1.0" encoding="utf-8"?>
-<ds:datastoreItem xmlns:ds="http://schemas.openxmlformats.org/officeDocument/2006/customXml" ds:itemID="{7F97B18F-50BC-4F30-8373-93489E845F83}">
-  <ds:schemaRefs>
-    <ds:schemaRef ds:uri="http://schemas.microsoft.com/office/2006/metadata/properties"/>
-    <ds:schemaRef ds:uri="http://schemas.microsoft.com/office/infopath/2007/PartnerControls"/>
-    <ds:schemaRef ds:uri="http://schemas.microsoft.com/sharepoint/v3"/>
-    <ds:schemaRef ds:uri="71af3243-3dd4-4a8d-8c0d-dd76da1f02a5"/>
-    <ds:schemaRef ds:uri="230e9df3-be65-4c73-a93b-d1236ebd677e"/>
-    <ds:schemaRef ds:uri="36d25196-f32b-43e1-8250-558e57115123"/>
-  </ds:schemaRefs>
-</ds:datastoreItem>
-</file>
-
 <file path=customXml/itemProps3.xml><?xml version="1.0" encoding="utf-8"?>
 <ds:datastoreItem xmlns:ds="http://schemas.openxmlformats.org/officeDocument/2006/customXml" ds:itemID="{42BC90D6-94CF-42F7-AAC4-9CF6824C54D5}">
   <ds:schemaRefs>

--- a/MED/doc/Presentazione M.E.D.pptx
+++ b/MED/doc/Presentazione M.E.D.pptx
@@ -271,7 +271,7 @@
           <a:p>
             <a:fld id="{6FCB7CA4-BC24-4E0E-9137-2CD651F96154}" type="datetimeFigureOut">
               <a:rPr lang="it-IT" smtClean="0"/>
-              <a:t>20/01/2024</a:t>
+              <a:t>23/01/2024</a:t>
             </a:fld>
             <a:endParaRPr lang="it-IT"/>
           </a:p>
@@ -481,7 +481,7 @@
           <a:p>
             <a:fld id="{6FCB7CA4-BC24-4E0E-9137-2CD651F96154}" type="datetimeFigureOut">
               <a:rPr lang="it-IT" smtClean="0"/>
-              <a:t>20/01/2024</a:t>
+              <a:t>23/01/2024</a:t>
             </a:fld>
             <a:endParaRPr lang="it-IT"/>
           </a:p>
@@ -701,7 +701,7 @@
           <a:p>
             <a:fld id="{6FCB7CA4-BC24-4E0E-9137-2CD651F96154}" type="datetimeFigureOut">
               <a:rPr lang="it-IT" smtClean="0"/>
-              <a:t>20/01/2024</a:t>
+              <a:t>23/01/2024</a:t>
             </a:fld>
             <a:endParaRPr lang="it-IT"/>
           </a:p>
@@ -911,7 +911,7 @@
           <a:p>
             <a:fld id="{6FCB7CA4-BC24-4E0E-9137-2CD651F96154}" type="datetimeFigureOut">
               <a:rPr lang="it-IT" smtClean="0"/>
-              <a:t>20/01/2024</a:t>
+              <a:t>23/01/2024</a:t>
             </a:fld>
             <a:endParaRPr lang="it-IT"/>
           </a:p>
@@ -1198,7 +1198,7 @@
           <a:p>
             <a:fld id="{6FCB7CA4-BC24-4E0E-9137-2CD651F96154}" type="datetimeFigureOut">
               <a:rPr lang="it-IT" smtClean="0"/>
-              <a:t>20/01/2024</a:t>
+              <a:t>23/01/2024</a:t>
             </a:fld>
             <a:endParaRPr lang="it-IT"/>
           </a:p>
@@ -1475,7 +1475,7 @@
           <a:p>
             <a:fld id="{6FCB7CA4-BC24-4E0E-9137-2CD651F96154}" type="datetimeFigureOut">
               <a:rPr lang="it-IT" smtClean="0"/>
-              <a:t>20/01/2024</a:t>
+              <a:t>23/01/2024</a:t>
             </a:fld>
             <a:endParaRPr lang="it-IT"/>
           </a:p>
@@ -1899,7 +1899,7 @@
           <a:p>
             <a:fld id="{6FCB7CA4-BC24-4E0E-9137-2CD651F96154}" type="datetimeFigureOut">
               <a:rPr lang="it-IT" smtClean="0"/>
-              <a:t>20/01/2024</a:t>
+              <a:t>23/01/2024</a:t>
             </a:fld>
             <a:endParaRPr lang="it-IT"/>
           </a:p>
@@ -2052,7 +2052,7 @@
           <a:p>
             <a:fld id="{6FCB7CA4-BC24-4E0E-9137-2CD651F96154}" type="datetimeFigureOut">
               <a:rPr lang="it-IT" smtClean="0"/>
-              <a:t>20/01/2024</a:t>
+              <a:t>23/01/2024</a:t>
             </a:fld>
             <a:endParaRPr lang="it-IT"/>
           </a:p>
@@ -2177,7 +2177,7 @@
           <a:p>
             <a:fld id="{6FCB7CA4-BC24-4E0E-9137-2CD651F96154}" type="datetimeFigureOut">
               <a:rPr lang="it-IT" smtClean="0"/>
-              <a:t>20/01/2024</a:t>
+              <a:t>23/01/2024</a:t>
             </a:fld>
             <a:endParaRPr lang="it-IT"/>
           </a:p>
@@ -2500,7 +2500,7 @@
           <a:p>
             <a:fld id="{6FCB7CA4-BC24-4E0E-9137-2CD651F96154}" type="datetimeFigureOut">
               <a:rPr lang="it-IT" smtClean="0"/>
-              <a:t>20/01/2024</a:t>
+              <a:t>23/01/2024</a:t>
             </a:fld>
             <a:endParaRPr lang="it-IT"/>
           </a:p>
@@ -2800,7 +2800,7 @@
           <a:p>
             <a:fld id="{6FCB7CA4-BC24-4E0E-9137-2CD651F96154}" type="datetimeFigureOut">
               <a:rPr lang="it-IT" smtClean="0"/>
-              <a:t>20/01/2024</a:t>
+              <a:t>23/01/2024</a:t>
             </a:fld>
             <a:endParaRPr lang="it-IT"/>
           </a:p>
@@ -3053,7 +3053,7 @@
           <a:p>
             <a:fld id="{6FCB7CA4-BC24-4E0E-9137-2CD651F96154}" type="datetimeFigureOut">
               <a:rPr lang="it-IT" smtClean="0"/>
-              <a:t>20/01/2024</a:t>
+              <a:t>23/01/2024</a:t>
             </a:fld>
             <a:endParaRPr lang="it-IT"/>
           </a:p>
@@ -6191,6 +6191,35 @@
           </a:p>
         </p:txBody>
       </p:sp>
+      <p:pic>
+        <p:nvPicPr>
+          <p:cNvPr id="3" name="Immagine 2">
+            <a:extLst>
+              <a:ext uri="{FF2B5EF4-FFF2-40B4-BE49-F238E27FC236}">
+                <a16:creationId xmlns:a16="http://schemas.microsoft.com/office/drawing/2014/main" id="{869D72C9-6862-CE36-3AFE-FBB4EBCC02AE}"/>
+              </a:ext>
+            </a:extLst>
+          </p:cNvPr>
+          <p:cNvPicPr>
+            <a:picLocks noChangeAspect="1"/>
+          </p:cNvPicPr>
+          <p:nvPr/>
+        </p:nvPicPr>
+        <p:blipFill rotWithShape="1">
+          <a:blip r:embed="rId5"/>
+          <a:srcRect l="45426"/>
+          <a:stretch/>
+        </p:blipFill>
+        <p:spPr>
+          <a:xfrm>
+            <a:off x="3263635" y="413349"/>
+            <a:ext cx="1767544" cy="2356232"/>
+          </a:xfrm>
+          <a:prstGeom prst="rect">
+            <a:avLst/>
+          </a:prstGeom>
+        </p:spPr>
+      </p:pic>
     </p:spTree>
     <p:extLst>
       <p:ext uri="{BB962C8B-B14F-4D97-AF65-F5344CB8AC3E}">
@@ -8289,7 +8318,27 @@
             </a:endParaRPr>
           </a:p>
           <a:p>
-            <a:endParaRPr lang="en-US" dirty="0"/>
+            <a:r>
+              <a:rPr lang="en-US" dirty="0">
+                <a:solidFill>
+                  <a:schemeClr val="bg1"/>
+                </a:solidFill>
+              </a:rPr>
+              <a:t>//</a:t>
+            </a:r>
+            <a:r>
+              <a:rPr lang="en-US" dirty="0" err="1">
+                <a:solidFill>
+                  <a:schemeClr val="bg1"/>
+                </a:solidFill>
+              </a:rPr>
+              <a:t>definire</a:t>
+            </a:r>
+            <a:endParaRPr lang="en-US" dirty="0">
+              <a:solidFill>
+                <a:schemeClr val="bg1"/>
+              </a:solidFill>
+            </a:endParaRPr>
           </a:p>
         </p:txBody>
       </p:sp>
@@ -9008,22 +9057,6 @@
             </a:r>
           </a:p>
           <a:p>
-            <a:r>
-              <a:rPr lang="it-IT" dirty="0">
-                <a:solidFill>
-                  <a:schemeClr val="bg1"/>
-                </a:solidFill>
-              </a:rPr>
-              <a:t>Linguaggi di programmazione : </a:t>
-            </a:r>
-            <a:r>
-              <a:rPr lang="it-IT" dirty="0" err="1">
-                <a:solidFill>
-                  <a:schemeClr val="bg1"/>
-                </a:solidFill>
-              </a:rPr>
-              <a:t>java,markdown,SQL</a:t>
-            </a:r>
             <a:endParaRPr lang="it-IT" dirty="0">
               <a:solidFill>
                 <a:schemeClr val="bg1"/>
@@ -9037,17 +9070,40 @@
                   <a:schemeClr val="bg1"/>
                 </a:solidFill>
               </a:rPr>
-              <a:t>Elencare i tool utilizzati durante il progetto:</a:t>
-            </a:r>
-          </a:p>
-          <a:p>
+              <a:t>Java, </a:t>
+            </a:r>
+            <a:r>
+              <a:rPr lang="it-IT" dirty="0" err="1">
+                <a:solidFill>
+                  <a:schemeClr val="bg1"/>
+                </a:solidFill>
+              </a:rPr>
+              <a:t>Markdown</a:t>
+            </a:r>
             <a:r>
               <a:rPr lang="it-IT" dirty="0">
                 <a:solidFill>
                   <a:schemeClr val="bg1"/>
                 </a:solidFill>
               </a:rPr>
-              <a:t>Eclipse IDE ,</a:t>
+              <a:t>, SQL</a:t>
+            </a:r>
+          </a:p>
+          <a:p>
+            <a:endParaRPr lang="it-IT" dirty="0">
+              <a:solidFill>
+                <a:schemeClr val="bg1"/>
+              </a:solidFill>
+            </a:endParaRPr>
+          </a:p>
+          <a:p>
+            <a:r>
+              <a:rPr lang="it-IT" dirty="0">
+                <a:solidFill>
+                  <a:schemeClr val="bg1"/>
+                </a:solidFill>
+              </a:rPr>
+              <a:t>Eclipse IDE , </a:t>
             </a:r>
             <a:r>
               <a:rPr lang="it-IT" dirty="0" err="1">
@@ -9055,7 +9111,23 @@
                   <a:schemeClr val="bg1"/>
                 </a:solidFill>
               </a:rPr>
-              <a:t>StarUML,Github</a:t>
+              <a:t>StarUML</a:t>
+            </a:r>
+            <a:r>
+              <a:rPr lang="it-IT" dirty="0">
+                <a:solidFill>
+                  <a:schemeClr val="bg1"/>
+                </a:solidFill>
+              </a:rPr>
+              <a:t>, </a:t>
+            </a:r>
+            <a:r>
+              <a:rPr lang="it-IT" dirty="0" err="1">
+                <a:solidFill>
+                  <a:schemeClr val="bg1"/>
+                </a:solidFill>
+              </a:rPr>
+              <a:t>Github</a:t>
             </a:r>
             <a:r>
               <a:rPr lang="it-IT" dirty="0">
@@ -9079,15 +9151,17 @@
                   <a:schemeClr val="bg1"/>
                 </a:solidFill>
               </a:rPr>
-              <a:t> </a:t>
-            </a:r>
+              <a:t> Desktop,</a:t>
+            </a:r>
+          </a:p>
+          <a:p>
             <a:r>
               <a:rPr lang="it-IT" dirty="0" err="1">
                 <a:solidFill>
                   <a:schemeClr val="bg1"/>
                 </a:solidFill>
               </a:rPr>
-              <a:t>Desktop,draw.io,tool</a:t>
+              <a:t>draw.io</a:t>
             </a:r>
             <a:r>
               <a:rPr lang="it-IT" dirty="0">
@@ -9095,7 +9169,7 @@
                   <a:schemeClr val="bg1"/>
                 </a:solidFill>
               </a:rPr>
-              <a:t> di </a:t>
+              <a:t>, Window Builder, </a:t>
             </a:r>
             <a:r>
               <a:rPr lang="it-IT" dirty="0" err="1">
@@ -9103,23 +9177,7 @@
                   <a:schemeClr val="bg1"/>
                 </a:solidFill>
               </a:rPr>
-              <a:t>eclipse:Window</a:t>
-            </a:r>
-            <a:r>
-              <a:rPr lang="it-IT" dirty="0">
-                <a:solidFill>
-                  <a:schemeClr val="bg1"/>
-                </a:solidFill>
-              </a:rPr>
-              <a:t> </a:t>
-            </a:r>
-            <a:r>
-              <a:rPr lang="it-IT" dirty="0" err="1">
-                <a:solidFill>
-                  <a:schemeClr val="bg1"/>
-                </a:solidFill>
-              </a:rPr>
-              <a:t>Builder,Db</a:t>
+              <a:t>Db</a:t>
             </a:r>
             <a:r>
               <a:rPr lang="it-IT" dirty="0">
@@ -9137,6 +9195,137 @@
           </a:p>
         </p:txBody>
       </p:sp>
+      <p:pic>
+        <p:nvPicPr>
+          <p:cNvPr id="7" name="Immagine 6">
+            <a:extLst>
+              <a:ext uri="{FF2B5EF4-FFF2-40B4-BE49-F238E27FC236}">
+                <a16:creationId xmlns:a16="http://schemas.microsoft.com/office/drawing/2014/main" id="{97563D69-4496-C0E1-5FBC-B430E27EEC98}"/>
+              </a:ext>
+            </a:extLst>
+          </p:cNvPr>
+          <p:cNvPicPr>
+            <a:picLocks noChangeAspect="1"/>
+          </p:cNvPicPr>
+          <p:nvPr/>
+        </p:nvPicPr>
+        <p:blipFill>
+          <a:blip r:embed="rId7">
+            <a:extLst>
+              <a:ext uri="{BEBA8EAE-BF5A-486C-A8C5-ECC9F3942E4B}">
+                <a14:imgProps xmlns:a14="http://schemas.microsoft.com/office/drawing/2010/main">
+                  <a14:imgLayer r:embed="rId8">
+                    <a14:imgEffect>
+                      <a14:backgroundRemoval t="10000" b="90000" l="10000" r="90000">
+                        <a14:foregroundMark x1="45098" y1="33613" x2="45098" y2="33613"/>
+                      </a14:backgroundRemoval>
+                    </a14:imgEffect>
+                  </a14:imgLayer>
+                </a14:imgProps>
+              </a:ext>
+            </a:extLst>
+          </a:blip>
+          <a:stretch>
+            <a:fillRect/>
+          </a:stretch>
+        </p:blipFill>
+        <p:spPr>
+          <a:xfrm>
+            <a:off x="3630224" y="1373517"/>
+            <a:ext cx="971550" cy="1133475"/>
+          </a:xfrm>
+          <a:prstGeom prst="rect">
+            <a:avLst/>
+          </a:prstGeom>
+        </p:spPr>
+      </p:pic>
+      <p:pic>
+        <p:nvPicPr>
+          <p:cNvPr id="10" name="Immagine 9">
+            <a:extLst>
+              <a:ext uri="{FF2B5EF4-FFF2-40B4-BE49-F238E27FC236}">
+                <a16:creationId xmlns:a16="http://schemas.microsoft.com/office/drawing/2014/main" id="{655317BD-2122-DD64-B2EA-F06926EE9D38}"/>
+              </a:ext>
+            </a:extLst>
+          </p:cNvPr>
+          <p:cNvPicPr>
+            <a:picLocks noChangeAspect="1"/>
+          </p:cNvPicPr>
+          <p:nvPr/>
+        </p:nvPicPr>
+        <p:blipFill>
+          <a:blip r:embed="rId9">
+            <a:extLst>
+              <a:ext uri="{BEBA8EAE-BF5A-486C-A8C5-ECC9F3942E4B}">
+                <a14:imgProps xmlns:a14="http://schemas.microsoft.com/office/drawing/2010/main">
+                  <a14:imgLayer r:embed="rId10">
+                    <a14:imgEffect>
+                      <a14:backgroundRemoval t="10000" b="90000" l="10000" r="90000">
+                        <a14:backgroundMark x1="64423" y1="18478" x2="64423" y2="18478"/>
+                        <a14:backgroundMark x1="18269" y1="40217" x2="18269" y2="40217"/>
+                      </a14:backgroundRemoval>
+                    </a14:imgEffect>
+                  </a14:imgLayer>
+                </a14:imgProps>
+              </a:ext>
+            </a:extLst>
+          </a:blip>
+          <a:stretch>
+            <a:fillRect/>
+          </a:stretch>
+        </p:blipFill>
+        <p:spPr>
+          <a:xfrm>
+            <a:off x="3611174" y="2768481"/>
+            <a:ext cx="990600" cy="876300"/>
+          </a:xfrm>
+          <a:prstGeom prst="rect">
+            <a:avLst/>
+          </a:prstGeom>
+        </p:spPr>
+      </p:pic>
+      <p:pic>
+        <p:nvPicPr>
+          <p:cNvPr id="12" name="Immagine 11">
+            <a:extLst>
+              <a:ext uri="{FF2B5EF4-FFF2-40B4-BE49-F238E27FC236}">
+                <a16:creationId xmlns:a16="http://schemas.microsoft.com/office/drawing/2014/main" id="{D80D17EF-98CD-AF43-44CD-29FE1284C359}"/>
+              </a:ext>
+            </a:extLst>
+          </p:cNvPr>
+          <p:cNvPicPr>
+            <a:picLocks noChangeAspect="1"/>
+          </p:cNvPicPr>
+          <p:nvPr/>
+        </p:nvPicPr>
+        <p:blipFill>
+          <a:blip r:embed="rId11">
+            <a:extLst>
+              <a:ext uri="{BEBA8EAE-BF5A-486C-A8C5-ECC9F3942E4B}">
+                <a14:imgProps xmlns:a14="http://schemas.microsoft.com/office/drawing/2010/main">
+                  <a14:imgLayer r:embed="rId12">
+                    <a14:imgEffect>
+                      <a14:backgroundRemoval t="10000" b="90000" l="10000" r="90000"/>
+                    </a14:imgEffect>
+                  </a14:imgLayer>
+                </a14:imgProps>
+              </a:ext>
+            </a:extLst>
+          </a:blip>
+          <a:stretch>
+            <a:fillRect/>
+          </a:stretch>
+        </p:blipFill>
+        <p:spPr>
+          <a:xfrm>
+            <a:off x="3572569" y="3836092"/>
+            <a:ext cx="1076325" cy="866775"/>
+          </a:xfrm>
+          <a:prstGeom prst="rect">
+            <a:avLst/>
+          </a:prstGeom>
+        </p:spPr>
+      </p:pic>
     </p:spTree>
     <p:extLst>
       <p:ext uri="{BB962C8B-B14F-4D97-AF65-F5344CB8AC3E}">
@@ -9654,8 +9843,8 @@
         </p:nvSpPr>
         <p:spPr>
           <a:xfrm>
-            <a:off x="1913350" y="2029023"/>
-            <a:ext cx="10515600" cy="4351338"/>
+            <a:off x="4496842" y="3989430"/>
+            <a:ext cx="1653437" cy="753911"/>
           </a:xfrm>
           <a:prstGeom prst="rect">
             <a:avLst/>
@@ -9839,6 +10028,84 @@
               <a:t>GitHub</a:t>
             </a:r>
           </a:p>
+        </p:txBody>
+      </p:sp>
+      <p:pic>
+        <p:nvPicPr>
+          <p:cNvPr id="3" name="Immagine 2">
+            <a:extLst>
+              <a:ext uri="{FF2B5EF4-FFF2-40B4-BE49-F238E27FC236}">
+                <a16:creationId xmlns:a16="http://schemas.microsoft.com/office/drawing/2014/main" id="{C9EC11A2-4AB1-05D7-102A-1EBDC4797D60}"/>
+              </a:ext>
+            </a:extLst>
+          </p:cNvPr>
+          <p:cNvPicPr>
+            <a:picLocks noChangeAspect="1"/>
+          </p:cNvPicPr>
+          <p:nvPr/>
+        </p:nvPicPr>
+        <p:blipFill>
+          <a:blip r:embed="rId7">
+            <a:extLst>
+              <a:ext uri="{BEBA8EAE-BF5A-486C-A8C5-ECC9F3942E4B}">
+                <a14:imgProps xmlns:a14="http://schemas.microsoft.com/office/drawing/2010/main">
+                  <a14:imgLayer r:embed="rId8">
+                    <a14:imgEffect>
+                      <a14:backgroundRemoval t="9950" b="89552" l="5766" r="89985">
+                        <a14:foregroundMark x1="12443" y1="37811" x2="12443" y2="37811"/>
+                        <a14:foregroundMark x1="12443" y1="29353" x2="12443" y2="29353"/>
+                        <a14:foregroundMark x1="11836" y1="22388" x2="11836" y2="17413"/>
+                        <a14:foregroundMark x1="5766" y1="40796" x2="5766" y2="40796"/>
+                        <a14:foregroundMark x1="11077" y1="75622" x2="11077" y2="75622"/>
+                        <a14:foregroundMark x1="79970" y1="27363" x2="79970" y2="27363"/>
+                      </a14:backgroundRemoval>
+                    </a14:imgEffect>
+                  </a14:imgLayer>
+                </a14:imgProps>
+              </a:ext>
+            </a:extLst>
+          </a:blip>
+          <a:stretch>
+            <a:fillRect/>
+          </a:stretch>
+        </p:blipFill>
+        <p:spPr>
+          <a:xfrm>
+            <a:off x="4496842" y="2074905"/>
+            <a:ext cx="6276975" cy="1914525"/>
+          </a:xfrm>
+          <a:prstGeom prst="rect">
+            <a:avLst/>
+          </a:prstGeom>
+        </p:spPr>
+      </p:pic>
+      <p:sp>
+        <p:nvSpPr>
+          <p:cNvPr id="7" name="CasellaDiTesto 6">
+            <a:extLst>
+              <a:ext uri="{FF2B5EF4-FFF2-40B4-BE49-F238E27FC236}">
+                <a16:creationId xmlns:a16="http://schemas.microsoft.com/office/drawing/2014/main" id="{5D916917-2538-FDE5-C08B-2113AC5F5313}"/>
+              </a:ext>
+            </a:extLst>
+          </p:cNvPr>
+          <p:cNvSpPr txBox="1"/>
+          <p:nvPr/>
+        </p:nvSpPr>
+        <p:spPr>
+          <a:xfrm>
+            <a:off x="7405491" y="4002955"/>
+            <a:ext cx="3351757" cy="646331"/>
+          </a:xfrm>
+          <a:prstGeom prst="rect">
+            <a:avLst/>
+          </a:prstGeom>
+          <a:noFill/>
+        </p:spPr>
+        <p:txBody>
+          <a:bodyPr wrap="square" rtlCol="0">
+            <a:spAutoFit/>
+          </a:bodyPr>
+          <a:lstStyle/>
           <a:p>
             <a:r>
               <a:rPr lang="it-IT" dirty="0">
@@ -9846,7 +10113,7 @@
                   <a:schemeClr val="bg1"/>
                 </a:solidFill>
               </a:rPr>
-              <a:t>Tramite l’utilizzo di </a:t>
+              <a:t>Issues, </a:t>
             </a:r>
             <a:r>
               <a:rPr lang="it-IT" dirty="0" err="1">
@@ -9854,7 +10121,7 @@
                   <a:schemeClr val="bg1"/>
                 </a:solidFill>
               </a:rPr>
-              <a:t>Issues,branches,pull</a:t>
+              <a:t>branches</a:t>
             </a:r>
             <a:r>
               <a:rPr lang="it-IT" dirty="0">
@@ -9862,7 +10129,7 @@
                   <a:schemeClr val="bg1"/>
                 </a:solidFill>
               </a:rPr>
-              <a:t> </a:t>
+              <a:t>, pull </a:t>
             </a:r>
             <a:r>
               <a:rPr lang="it-IT" dirty="0" err="1">
@@ -9882,19 +10149,7 @@
             </a:r>
           </a:p>
           <a:p>
-            <a:r>
-              <a:rPr lang="it-IT" dirty="0">
-                <a:solidFill>
-                  <a:schemeClr val="bg1"/>
-                </a:solidFill>
-              </a:rPr>
-              <a:t>Come lo avete usato?</a:t>
-            </a:r>
-            <a:endParaRPr lang="en-US" dirty="0">
-              <a:solidFill>
-                <a:schemeClr val="bg1"/>
-              </a:solidFill>
-            </a:endParaRPr>
+            <a:endParaRPr lang="it-IT" dirty="0"/>
           </a:p>
         </p:txBody>
       </p:sp>
@@ -10404,7 +10659,7 @@
         </p:nvSpPr>
         <p:spPr>
           <a:xfrm>
-            <a:off x="1676400" y="1839216"/>
+            <a:off x="1913350" y="967665"/>
             <a:ext cx="10515600" cy="4351338"/>
           </a:xfrm>
           <a:prstGeom prst="rect">
@@ -10581,7 +10836,7 @@
           </a:lstStyle>
           <a:p>
             <a:r>
-              <a:rPr lang="it-IT">
+              <a:rPr lang="it-IT" dirty="0">
                 <a:solidFill>
                   <a:schemeClr val="bg1"/>
                 </a:solidFill>
@@ -10590,8 +10845,12 @@
             </a:r>
           </a:p>
           <a:p>
-            <a:r>
-              <a:rPr lang="it-IT">
+            <a:pPr marL="342900" indent="-342900">
+              <a:buFont typeface="Arial" panose="020B0604020202020204" pitchFamily="34" charset="0"/>
+              <a:buChar char="•"/>
+            </a:pPr>
+            <a:r>
+              <a:rPr lang="it-IT" dirty="0">
                 <a:solidFill>
                   <a:schemeClr val="bg1"/>
                 </a:solidFill>
@@ -10600,8 +10859,12 @@
             </a:r>
           </a:p>
           <a:p>
-            <a:r>
-              <a:rPr lang="it-IT">
+            <a:pPr marL="342900" indent="-342900">
+              <a:buFont typeface="Arial" panose="020B0604020202020204" pitchFamily="34" charset="0"/>
+              <a:buChar char="•"/>
+            </a:pPr>
+            <a:r>
+              <a:rPr lang="it-IT" dirty="0">
                 <a:solidFill>
                   <a:schemeClr val="bg1"/>
                 </a:solidFill>
@@ -10610,8 +10873,12 @@
             </a:r>
           </a:p>
           <a:p>
-            <a:r>
-              <a:rPr lang="it-IT">
+            <a:pPr marL="342900" indent="-342900">
+              <a:buFont typeface="Arial" panose="020B0604020202020204" pitchFamily="34" charset="0"/>
+              <a:buChar char="•"/>
+            </a:pPr>
+            <a:r>
+              <a:rPr lang="it-IT" dirty="0">
                 <a:solidFill>
                   <a:schemeClr val="bg1"/>
                 </a:solidFill>
@@ -10620,8 +10887,12 @@
             </a:r>
           </a:p>
           <a:p>
-            <a:r>
-              <a:rPr lang="it-IT">
+            <a:pPr marL="342900" indent="-342900">
+              <a:buFont typeface="Arial" panose="020B0604020202020204" pitchFamily="34" charset="0"/>
+              <a:buChar char="•"/>
+            </a:pPr>
+            <a:r>
+              <a:rPr lang="it-IT" dirty="0">
                 <a:solidFill>
                   <a:schemeClr val="bg1"/>
                 </a:solidFill>
@@ -10630,7 +10901,7 @@
             </a:r>
           </a:p>
           <a:p>
-            <a:endParaRPr lang="it-IT">
+            <a:endParaRPr lang="it-IT" dirty="0">
               <a:solidFill>
                 <a:schemeClr val="bg1"/>
               </a:solidFill>
@@ -10645,6 +10916,35 @@
           </a:p>
         </p:txBody>
       </p:sp>
+      <p:pic>
+        <p:nvPicPr>
+          <p:cNvPr id="3" name="Immagine 2">
+            <a:extLst>
+              <a:ext uri="{FF2B5EF4-FFF2-40B4-BE49-F238E27FC236}">
+                <a16:creationId xmlns:a16="http://schemas.microsoft.com/office/drawing/2014/main" id="{FD961CCB-D6EE-757F-E852-9B31CA8ED2A2}"/>
+              </a:ext>
+            </a:extLst>
+          </p:cNvPr>
+          <p:cNvPicPr>
+            <a:picLocks noChangeAspect="1"/>
+          </p:cNvPicPr>
+          <p:nvPr/>
+        </p:nvPicPr>
+        <p:blipFill rotWithShape="1">
+          <a:blip r:embed="rId7"/>
+          <a:srcRect b="6037"/>
+          <a:stretch/>
+        </p:blipFill>
+        <p:spPr>
+          <a:xfrm>
+            <a:off x="4961659" y="3476842"/>
+            <a:ext cx="4013715" cy="2334273"/>
+          </a:xfrm>
+          <a:prstGeom prst="rect">
+            <a:avLst/>
+          </a:prstGeom>
+        </p:spPr>
+      </p:pic>
     </p:spTree>
     <p:extLst>
       <p:ext uri="{BB962C8B-B14F-4D97-AF65-F5344CB8AC3E}">
@@ -11864,8 +12164,8 @@
         </p:nvSpPr>
         <p:spPr>
           <a:xfrm>
-            <a:off x="2534716" y="945828"/>
-            <a:ext cx="9272868" cy="6155565"/>
+            <a:off x="2811356" y="820376"/>
+            <a:ext cx="8463135" cy="4903827"/>
           </a:xfrm>
           <a:prstGeom prst="rect">
             <a:avLst/>
@@ -11873,7 +12173,7 @@
         </p:spPr>
         <p:txBody>
           <a:bodyPr vert="horz" lIns="91440" tIns="45720" rIns="91440" bIns="45720" rtlCol="0">
-            <a:normAutofit/>
+            <a:normAutofit fontScale="92500"/>
           </a:bodyPr>
           <a:lstStyle>
             <a:lvl1pPr marL="0" indent="0" algn="ctr" defTabSz="914400" rtl="0" eaLnBrk="1" latinLnBrk="0" hangingPunct="1">
@@ -13292,6 +13592,15 @@
 </file>
 
 <file path=customXml/item1.xml><?xml version="1.0" encoding="utf-8"?>
+<?mso-contentType ?>
+<FormTemplates xmlns="http://schemas.microsoft.com/sharepoint/v3/contenttype/forms">
+  <Display>DocumentLibraryForm</Display>
+  <Edit>DocumentLibraryForm</Edit>
+  <New>DocumentLibraryForm</New>
+</FormTemplates>
+</file>
+
+<file path=customXml/item2.xml><?xml version="1.0" encoding="utf-8"?>
 <ct:contentTypeSchema xmlns:ct="http://schemas.microsoft.com/office/2006/metadata/contentType" xmlns:ma="http://schemas.microsoft.com/office/2006/metadata/properties/metaAttributes" ct:_="" ma:_="" ma:contentTypeName="Document" ma:contentTypeID="0x010100A0CF21E40499B24A9F68A43EEC522882" ma:contentTypeVersion="11" ma:contentTypeDescription="Create a new document." ma:contentTypeScope="" ma:versionID="f4de5826c26741e5908ab3ac9d844ad9">
   <xsd:schema xmlns:xsd="http://www.w3.org/2001/XMLSchema" xmlns:xs="http://www.w3.org/2001/XMLSchema" xmlns:p="http://schemas.microsoft.com/office/2006/metadata/properties" xmlns:ns3="0e8cb14d-5672-45a9-9374-f9161c6ad1f5" targetNamespace="http://schemas.microsoft.com/office/2006/metadata/properties" ma:root="true" ma:fieldsID="feca532200975d88f3884ce2ea50f7b0" ns3:_="">
     <xsd:import namespace="0e8cb14d-5672-45a9-9374-f9161c6ad1f5"/>
@@ -13479,15 +13788,6 @@
 </ct:contentTypeSchema>
 </file>
 
-<file path=customXml/item2.xml><?xml version="1.0" encoding="utf-8"?>
-<?mso-contentType ?>
-<FormTemplates xmlns="http://schemas.microsoft.com/sharepoint/v3/contenttype/forms">
-  <Display>DocumentLibraryForm</Display>
-  <Edit>DocumentLibraryForm</Edit>
-  <New>DocumentLibraryForm</New>
-</FormTemplates>
-</file>
-
 <file path=customXml/item3.xml><?xml version="1.0" encoding="utf-8"?>
 <p:properties xmlns:p="http://schemas.microsoft.com/office/2006/metadata/properties" xmlns:xsi="http://www.w3.org/2001/XMLSchema-instance" xmlns:pc="http://schemas.microsoft.com/office/infopath/2007/PartnerControls">
   <documentManagement/>
@@ -13495,6 +13795,14 @@
 </file>
 
 <file path=customXml/itemProps1.xml><?xml version="1.0" encoding="utf-8"?>
+<ds:datastoreItem xmlns:ds="http://schemas.openxmlformats.org/officeDocument/2006/customXml" ds:itemID="{2E04FF8D-6387-4FE5-84FD-3A5A7F91F29C}">
+  <ds:schemaRefs>
+    <ds:schemaRef ds:uri="http://schemas.microsoft.com/sharepoint/v3/contenttype/forms"/>
+  </ds:schemaRefs>
+</ds:datastoreItem>
+</file>
+
+<file path=customXml/itemProps2.xml><?xml version="1.0" encoding="utf-8"?>
 <ds:datastoreItem xmlns:ds="http://schemas.openxmlformats.org/officeDocument/2006/customXml" ds:itemID="{B3C918E1-AB3B-4F23-A208-3A9423FBBA50}">
   <ds:schemaRefs>
     <ds:schemaRef ds:uri="http://schemas.microsoft.com/office/2006/metadata/contentType"/>
@@ -13508,14 +13816,6 @@
     <ds:schemaRef ds:uri="http://purl.org/dc/elements/1.1/"/>
     <ds:schemaRef ds:uri="http://purl.org/dc/terms/"/>
     <ds:schemaRef ds:uri="http://schemas.microsoft.com/internal/obd"/>
-  </ds:schemaRefs>
-</ds:datastoreItem>
-</file>
-
-<file path=customXml/itemProps2.xml><?xml version="1.0" encoding="utf-8"?>
-<ds:datastoreItem xmlns:ds="http://schemas.openxmlformats.org/officeDocument/2006/customXml" ds:itemID="{2E04FF8D-6387-4FE5-84FD-3A5A7F91F29C}">
-  <ds:schemaRefs>
-    <ds:schemaRef ds:uri="http://schemas.microsoft.com/sharepoint/v3/contenttype/forms"/>
   </ds:schemaRefs>
 </ds:datastoreItem>
 </file>

--- a/MED/doc/Presentazione M.E.D.pptx
+++ b/MED/doc/Presentazione M.E.D.pptx
@@ -341,13 +341,13 @@
   <p:clrMapOvr>
     <a:masterClrMapping/>
   </p:clrMapOvr>
-  <mc:AlternateContent xmlns:mc="http://schemas.openxmlformats.org/markup-compatibility/2006" xmlns:p159="http://schemas.microsoft.com/office/powerpoint/2015/09/main">
-    <mc:Choice Requires="p159">
+  <mc:AlternateContent xmlns:mc="http://schemas.openxmlformats.org/markup-compatibility/2006">
+    <mc:Choice xmlns:p159="http://schemas.microsoft.com/office/powerpoint/2015/09/main" xmlns="" Requires="p159">
       <p:transition spd="slow">
         <p159:morph option="byObject"/>
       </p:transition>
     </mc:Choice>
-    <mc:Fallback xmlns="">
+    <mc:Fallback>
       <p:transition spd="slow">
         <p:fade/>
       </p:transition>
@@ -551,13 +551,13 @@
   <p:clrMapOvr>
     <a:masterClrMapping/>
   </p:clrMapOvr>
-  <mc:AlternateContent xmlns:mc="http://schemas.openxmlformats.org/markup-compatibility/2006" xmlns:p159="http://schemas.microsoft.com/office/powerpoint/2015/09/main">
-    <mc:Choice Requires="p159">
+  <mc:AlternateContent xmlns:mc="http://schemas.openxmlformats.org/markup-compatibility/2006">
+    <mc:Choice xmlns:p159="http://schemas.microsoft.com/office/powerpoint/2015/09/main" xmlns="" Requires="p159">
       <p:transition spd="slow">
         <p159:morph option="byObject"/>
       </p:transition>
     </mc:Choice>
-    <mc:Fallback xmlns="">
+    <mc:Fallback>
       <p:transition spd="slow">
         <p:fade/>
       </p:transition>
@@ -771,13 +771,13 @@
   <p:clrMapOvr>
     <a:masterClrMapping/>
   </p:clrMapOvr>
-  <mc:AlternateContent xmlns:mc="http://schemas.openxmlformats.org/markup-compatibility/2006" xmlns:p159="http://schemas.microsoft.com/office/powerpoint/2015/09/main">
-    <mc:Choice Requires="p159">
+  <mc:AlternateContent xmlns:mc="http://schemas.openxmlformats.org/markup-compatibility/2006">
+    <mc:Choice xmlns:p159="http://schemas.microsoft.com/office/powerpoint/2015/09/main" xmlns="" Requires="p159">
       <p:transition spd="slow">
         <p159:morph option="byObject"/>
       </p:transition>
     </mc:Choice>
-    <mc:Fallback xmlns="">
+    <mc:Fallback>
       <p:transition spd="slow">
         <p:fade/>
       </p:transition>
@@ -981,13 +981,13 @@
   <p:clrMapOvr>
     <a:masterClrMapping/>
   </p:clrMapOvr>
-  <mc:AlternateContent xmlns:mc="http://schemas.openxmlformats.org/markup-compatibility/2006" xmlns:p159="http://schemas.microsoft.com/office/powerpoint/2015/09/main">
-    <mc:Choice Requires="p159">
+  <mc:AlternateContent xmlns:mc="http://schemas.openxmlformats.org/markup-compatibility/2006">
+    <mc:Choice xmlns:p159="http://schemas.microsoft.com/office/powerpoint/2015/09/main" xmlns="" Requires="p159">
       <p:transition spd="slow">
         <p159:morph option="byObject"/>
       </p:transition>
     </mc:Choice>
-    <mc:Fallback xmlns="">
+    <mc:Fallback>
       <p:transition spd="slow">
         <p:fade/>
       </p:transition>
@@ -1268,13 +1268,13 @@
   <p:clrMapOvr>
     <a:masterClrMapping/>
   </p:clrMapOvr>
-  <mc:AlternateContent xmlns:mc="http://schemas.openxmlformats.org/markup-compatibility/2006" xmlns:p159="http://schemas.microsoft.com/office/powerpoint/2015/09/main">
-    <mc:Choice Requires="p159">
+  <mc:AlternateContent xmlns:mc="http://schemas.openxmlformats.org/markup-compatibility/2006">
+    <mc:Choice xmlns:p159="http://schemas.microsoft.com/office/powerpoint/2015/09/main" xmlns="" Requires="p159">
       <p:transition spd="slow">
         <p159:morph option="byObject"/>
       </p:transition>
     </mc:Choice>
-    <mc:Fallback xmlns="">
+    <mc:Fallback>
       <p:transition spd="slow">
         <p:fade/>
       </p:transition>
@@ -1545,13 +1545,13 @@
   <p:clrMapOvr>
     <a:masterClrMapping/>
   </p:clrMapOvr>
-  <mc:AlternateContent xmlns:mc="http://schemas.openxmlformats.org/markup-compatibility/2006" xmlns:p159="http://schemas.microsoft.com/office/powerpoint/2015/09/main">
-    <mc:Choice Requires="p159">
+  <mc:AlternateContent xmlns:mc="http://schemas.openxmlformats.org/markup-compatibility/2006">
+    <mc:Choice xmlns:p159="http://schemas.microsoft.com/office/powerpoint/2015/09/main" xmlns="" Requires="p159">
       <p:transition spd="slow">
         <p159:morph option="byObject"/>
       </p:transition>
     </mc:Choice>
-    <mc:Fallback xmlns="">
+    <mc:Fallback>
       <p:transition spd="slow">
         <p:fade/>
       </p:transition>
@@ -1969,13 +1969,13 @@
   <p:clrMapOvr>
     <a:masterClrMapping/>
   </p:clrMapOvr>
-  <mc:AlternateContent xmlns:mc="http://schemas.openxmlformats.org/markup-compatibility/2006" xmlns:p159="http://schemas.microsoft.com/office/powerpoint/2015/09/main">
-    <mc:Choice Requires="p159">
+  <mc:AlternateContent xmlns:mc="http://schemas.openxmlformats.org/markup-compatibility/2006">
+    <mc:Choice xmlns:p159="http://schemas.microsoft.com/office/powerpoint/2015/09/main" xmlns="" Requires="p159">
       <p:transition spd="slow">
         <p159:morph option="byObject"/>
       </p:transition>
     </mc:Choice>
-    <mc:Fallback xmlns="">
+    <mc:Fallback>
       <p:transition spd="slow">
         <p:fade/>
       </p:transition>
@@ -2122,13 +2122,13 @@
   <p:clrMapOvr>
     <a:masterClrMapping/>
   </p:clrMapOvr>
-  <mc:AlternateContent xmlns:mc="http://schemas.openxmlformats.org/markup-compatibility/2006" xmlns:p159="http://schemas.microsoft.com/office/powerpoint/2015/09/main">
-    <mc:Choice Requires="p159">
+  <mc:AlternateContent xmlns:mc="http://schemas.openxmlformats.org/markup-compatibility/2006">
+    <mc:Choice xmlns:p159="http://schemas.microsoft.com/office/powerpoint/2015/09/main" xmlns="" Requires="p159">
       <p:transition spd="slow">
         <p159:morph option="byObject"/>
       </p:transition>
     </mc:Choice>
-    <mc:Fallback xmlns="">
+    <mc:Fallback>
       <p:transition spd="slow">
         <p:fade/>
       </p:transition>
@@ -2247,13 +2247,13 @@
   <p:clrMapOvr>
     <a:masterClrMapping/>
   </p:clrMapOvr>
-  <mc:AlternateContent xmlns:mc="http://schemas.openxmlformats.org/markup-compatibility/2006" xmlns:p159="http://schemas.microsoft.com/office/powerpoint/2015/09/main">
-    <mc:Choice Requires="p159">
+  <mc:AlternateContent xmlns:mc="http://schemas.openxmlformats.org/markup-compatibility/2006">
+    <mc:Choice xmlns:p159="http://schemas.microsoft.com/office/powerpoint/2015/09/main" xmlns="" Requires="p159">
       <p:transition spd="slow">
         <p159:morph option="byObject"/>
       </p:transition>
     </mc:Choice>
-    <mc:Fallback xmlns="">
+    <mc:Fallback>
       <p:transition spd="slow">
         <p:fade/>
       </p:transition>
@@ -2570,13 +2570,13 @@
   <p:clrMapOvr>
     <a:masterClrMapping/>
   </p:clrMapOvr>
-  <mc:AlternateContent xmlns:mc="http://schemas.openxmlformats.org/markup-compatibility/2006" xmlns:p159="http://schemas.microsoft.com/office/powerpoint/2015/09/main">
-    <mc:Choice Requires="p159">
+  <mc:AlternateContent xmlns:mc="http://schemas.openxmlformats.org/markup-compatibility/2006">
+    <mc:Choice xmlns:p159="http://schemas.microsoft.com/office/powerpoint/2015/09/main" xmlns="" Requires="p159">
       <p:transition spd="slow">
         <p159:morph option="byObject"/>
       </p:transition>
     </mc:Choice>
-    <mc:Fallback xmlns="">
+    <mc:Fallback>
       <p:transition spd="slow">
         <p:fade/>
       </p:transition>
@@ -2870,13 +2870,13 @@
   <p:clrMapOvr>
     <a:masterClrMapping/>
   </p:clrMapOvr>
-  <mc:AlternateContent xmlns:mc="http://schemas.openxmlformats.org/markup-compatibility/2006" xmlns:p159="http://schemas.microsoft.com/office/powerpoint/2015/09/main">
-    <mc:Choice Requires="p159">
+  <mc:AlternateContent xmlns:mc="http://schemas.openxmlformats.org/markup-compatibility/2006">
+    <mc:Choice xmlns:p159="http://schemas.microsoft.com/office/powerpoint/2015/09/main" xmlns="" Requires="p159">
       <p:transition spd="slow">
         <p159:morph option="byObject"/>
       </p:transition>
     </mc:Choice>
-    <mc:Fallback xmlns="">
+    <mc:Fallback>
       <p:transition spd="slow">
         <p:fade/>
       </p:transition>
@@ -3170,13 +3170,13 @@
     <p:sldLayoutId id="2147483658" r:id="rId10"/>
     <p:sldLayoutId id="2147483659" r:id="rId11"/>
   </p:sldLayoutIdLst>
-  <mc:AlternateContent xmlns:mc="http://schemas.openxmlformats.org/markup-compatibility/2006" xmlns:p159="http://schemas.microsoft.com/office/powerpoint/2015/09/main">
-    <mc:Choice Requires="p159">
+  <mc:AlternateContent xmlns:mc="http://schemas.openxmlformats.org/markup-compatibility/2006">
+    <mc:Choice xmlns:p159="http://schemas.microsoft.com/office/powerpoint/2015/09/main" xmlns="" Requires="p159">
       <p:transition spd="slow">
         <p159:morph option="byObject"/>
       </p:transition>
     </mc:Choice>
-    <mc:Fallback xmlns="">
+    <mc:Fallback>
       <p:transition spd="slow">
         <p:fade/>
       </p:transition>
@@ -3978,6 +3978,14 @@
               </a:rPr>
               <a:t>Progetto ingegneria del software</a:t>
             </a:r>
+            <a:r>
+              <a:rPr lang="it-IT" dirty="0">
+                <a:solidFill>
+                  <a:schemeClr val="bg1"/>
+                </a:solidFill>
+              </a:rPr>
+              <a:t/>
+            </a:r>
             <a:br>
               <a:rPr lang="it-IT" dirty="0">
                 <a:solidFill>
@@ -4190,7 +4198,7 @@
           <p:nvPr/>
         </p:nvPicPr>
         <p:blipFill>
-          <a:blip r:embed="rId7">
+          <a:blip r:embed="rId7" cstate="hqprint">
             <a:extLst>
               <a:ext uri="{28A0092B-C50C-407E-A947-70E740481C1C}">
                 <a14:useLocalDpi xmlns:a14="http://schemas.microsoft.com/office/drawing/2010/main" val="0"/>
@@ -4221,18 +4229,25 @@
   <p:clrMapOvr>
     <a:masterClrMapping/>
   </p:clrMapOvr>
-  <mc:AlternateContent xmlns:mc="http://schemas.openxmlformats.org/markup-compatibility/2006" xmlns:p159="http://schemas.microsoft.com/office/powerpoint/2015/09/main">
-    <mc:Choice Requires="p159">
+  <mc:AlternateContent xmlns:mc="http://schemas.openxmlformats.org/markup-compatibility/2006">
+    <mc:Choice xmlns:p159="http://schemas.microsoft.com/office/powerpoint/2015/09/main" xmlns="" Requires="p159">
       <p:transition spd="med">
         <p159:morph option="byObject"/>
       </p:transition>
     </mc:Choice>
-    <mc:Fallback xmlns="">
+    <mc:Fallback>
       <p:transition spd="med">
         <p:fade/>
       </p:transition>
     </mc:Fallback>
   </mc:AlternateContent>
+  <p:timing>
+    <p:tnLst>
+      <p:par>
+        <p:cTn id="1" dur="indefinite" restart="never" nodeType="tmRoot"/>
+      </p:par>
+    </p:tnLst>
+  </p:timing>
 </p:sld>
 </file>
 
@@ -4890,7 +4905,7 @@
           </a:lstStyle>
           <a:p>
             <a:r>
-              <a:rPr lang="it-IT">
+              <a:rPr lang="it-IT" dirty="0">
                 <a:solidFill>
                   <a:schemeClr val="bg1"/>
                 </a:solidFill>
@@ -4905,12 +4920,44 @@
               </a:lnSpc>
             </a:pPr>
             <a:r>
-              <a:rPr lang="it-IT">
-                <a:solidFill>
-                  <a:schemeClr val="bg1"/>
-                </a:solidFill>
-              </a:rPr>
-              <a:t>Abbiamo utilizzato Eclipse sia per la creazione del database che per la realizzazione del codice in linguaggio java, inoltre è stato utilizzato il tool Window Builder per la creazione della GUI</a:t>
+              <a:rPr lang="it-IT" dirty="0">
+                <a:solidFill>
+                  <a:schemeClr val="bg1"/>
+                </a:solidFill>
+              </a:rPr>
+              <a:t>Abbiamo utilizzato </a:t>
+            </a:r>
+            <a:r>
+              <a:rPr lang="it-IT" dirty="0" err="1">
+                <a:solidFill>
+                  <a:schemeClr val="bg1"/>
+                </a:solidFill>
+              </a:rPr>
+              <a:t>Eclipse</a:t>
+            </a:r>
+            <a:r>
+              <a:rPr lang="it-IT" dirty="0">
+                <a:solidFill>
+                  <a:schemeClr val="bg1"/>
+                </a:solidFill>
+              </a:rPr>
+              <a:t> sia per la creazione del database che per la realizzazione del codice in linguaggio java, inoltre è stato utilizzato il </a:t>
+            </a:r>
+            <a:r>
+              <a:rPr lang="it-IT" dirty="0" err="1">
+                <a:solidFill>
+                  <a:schemeClr val="bg1"/>
+                </a:solidFill>
+              </a:rPr>
+              <a:t>tool</a:t>
+            </a:r>
+            <a:r>
+              <a:rPr lang="it-IT" dirty="0">
+                <a:solidFill>
+                  <a:schemeClr val="bg1"/>
+                </a:solidFill>
+              </a:rPr>
+              <a:t> Window Builder per la creazione della GUI</a:t>
             </a:r>
             <a:endParaRPr lang="en-US" dirty="0">
               <a:solidFill>
@@ -4930,18 +4977,25 @@
   <p:clrMapOvr>
     <a:masterClrMapping/>
   </p:clrMapOvr>
-  <mc:AlternateContent xmlns:mc="http://schemas.openxmlformats.org/markup-compatibility/2006" xmlns:p159="http://schemas.microsoft.com/office/powerpoint/2015/09/main">
-    <mc:Choice Requires="p159">
+  <mc:AlternateContent xmlns:mc="http://schemas.openxmlformats.org/markup-compatibility/2006">
+    <mc:Choice xmlns:p159="http://schemas.microsoft.com/office/powerpoint/2015/09/main" xmlns="" Requires="p159">
       <p:transition spd="med">
         <p159:morph option="byObject"/>
       </p:transition>
     </mc:Choice>
-    <mc:Fallback xmlns="">
+    <mc:Fallback>
       <p:transition spd="med">
         <p:fade/>
       </p:transition>
     </mc:Fallback>
   </mc:AlternateContent>
+  <p:timing>
+    <p:tnLst>
+      <p:par>
+        <p:cTn id="1" dur="indefinite" restart="never" nodeType="tmRoot"/>
+      </p:par>
+    </p:tnLst>
+  </p:timing>
 </p:sld>
 </file>
 
@@ -5452,7 +5506,7 @@
           </a:lstStyle>
           <a:p>
             <a:r>
-              <a:rPr lang="it-IT">
+              <a:rPr lang="it-IT" dirty="0">
                 <a:solidFill>
                   <a:schemeClr val="bg1"/>
                 </a:solidFill>
@@ -5489,6 +5543,13 @@
       </p:transition>
     </mc:Fallback>
   </mc:AlternateContent>
+  <p:timing>
+    <p:tnLst>
+      <p:par>
+        <p:cTn id="1" dur="indefinite" restart="never" nodeType="tmRoot"/>
+      </p:par>
+    </p:tnLst>
+  </p:timing>
 </p:sld>
 </file>
 
@@ -6230,18 +6291,25 @@
   <p:clrMapOvr>
     <a:masterClrMapping/>
   </p:clrMapOvr>
-  <mc:AlternateContent xmlns:mc="http://schemas.openxmlformats.org/markup-compatibility/2006" xmlns:p159="http://schemas.microsoft.com/office/powerpoint/2015/09/main">
-    <mc:Choice Requires="p159">
+  <mc:AlternateContent xmlns:mc="http://schemas.openxmlformats.org/markup-compatibility/2006">
+    <mc:Choice xmlns:p159="http://schemas.microsoft.com/office/powerpoint/2015/09/main" xmlns="" Requires="p159">
       <p:transition spd="med">
         <p159:morph option="byObject"/>
       </p:transition>
     </mc:Choice>
-    <mc:Fallback xmlns="">
+    <mc:Fallback>
       <p:transition spd="med">
         <p:fade/>
       </p:transition>
     </mc:Fallback>
   </mc:AlternateContent>
+  <p:timing>
+    <p:tnLst>
+      <p:par>
+        <p:cTn id="1" dur="indefinite" restart="never" nodeType="tmRoot"/>
+      </p:par>
+    </p:tnLst>
+  </p:timing>
 </p:sld>
 </file>
 
@@ -6752,33 +6820,108 @@
           </a:lstStyle>
           <a:p>
             <a:r>
-              <a:rPr lang="it-IT">
-                <a:solidFill>
-                  <a:schemeClr val="bg1"/>
-                </a:solidFill>
-              </a:rPr>
-              <a:t>Per la creazione dei test inizialmente abbiamo utilizzato i test Junit automatico di Eclipse e successivamente implementato manualmente i vari test</a:t>
-            </a:r>
-          </a:p>
-          <a:p>
-            <a:r>
-              <a:rPr lang="it-IT">
-                <a:solidFill>
-                  <a:schemeClr val="bg1"/>
-                </a:solidFill>
-              </a:rPr>
-              <a:t>//da definire</a:t>
-            </a:r>
-          </a:p>
-          <a:p>
-            <a:r>
-              <a:rPr lang="it-IT">
-                <a:solidFill>
-                  <a:schemeClr val="bg1"/>
-                </a:solidFill>
-              </a:rPr>
-              <a:t>Quali risultati avete ottenuto con l’attività di testing</a:t>
-            </a:r>
+              <a:rPr lang="it-IT" dirty="0">
+                <a:solidFill>
+                  <a:schemeClr val="bg1"/>
+                </a:solidFill>
+              </a:rPr>
+              <a:t>Per </a:t>
+            </a:r>
+            <a:r>
+              <a:rPr lang="it-IT" dirty="0" smtClean="0">
+                <a:solidFill>
+                  <a:schemeClr val="bg1"/>
+                </a:solidFill>
+              </a:rPr>
+              <a:t>collaudare il programma </a:t>
+            </a:r>
+            <a:r>
+              <a:rPr lang="it-IT" dirty="0" smtClean="0">
+                <a:solidFill>
+                  <a:schemeClr val="bg1"/>
+                </a:solidFill>
+              </a:rPr>
+              <a:t>abbiamo sia utilizzato </a:t>
+            </a:r>
+            <a:r>
+              <a:rPr lang="it-IT" dirty="0">
+                <a:solidFill>
+                  <a:schemeClr val="bg1"/>
+                </a:solidFill>
+              </a:rPr>
+              <a:t>i test </a:t>
+            </a:r>
+            <a:r>
+              <a:rPr lang="it-IT" dirty="0" err="1" smtClean="0">
+                <a:solidFill>
+                  <a:schemeClr val="bg1"/>
+                </a:solidFill>
+              </a:rPr>
+              <a:t>Junit</a:t>
+            </a:r>
+            <a:r>
+              <a:rPr lang="it-IT" dirty="0">
+                <a:solidFill>
+                  <a:schemeClr val="bg1"/>
+                </a:solidFill>
+              </a:rPr>
+              <a:t> </a:t>
+            </a:r>
+            <a:r>
+              <a:rPr lang="it-IT" dirty="0" smtClean="0">
+                <a:solidFill>
+                  <a:schemeClr val="bg1"/>
+                </a:solidFill>
+              </a:rPr>
+              <a:t>di </a:t>
+            </a:r>
+            <a:r>
+              <a:rPr lang="it-IT" dirty="0" err="1">
+                <a:solidFill>
+                  <a:schemeClr val="bg1"/>
+                </a:solidFill>
+              </a:rPr>
+              <a:t>Eclipse</a:t>
+            </a:r>
+            <a:r>
+              <a:rPr lang="it-IT" dirty="0">
+                <a:solidFill>
+                  <a:schemeClr val="bg1"/>
+                </a:solidFill>
+              </a:rPr>
+              <a:t> </a:t>
+            </a:r>
+            <a:r>
+              <a:rPr lang="it-IT" dirty="0" smtClean="0">
+                <a:solidFill>
+                  <a:schemeClr val="bg1"/>
+                </a:solidFill>
+              </a:rPr>
+              <a:t>sia </a:t>
+            </a:r>
+            <a:r>
+              <a:rPr lang="it-IT" dirty="0" smtClean="0">
+                <a:solidFill>
+                  <a:schemeClr val="bg1"/>
+                </a:solidFill>
+              </a:rPr>
+              <a:t>eseguito test diretti sull’eseguibile per verificarne il corretto funzionamento.</a:t>
+            </a:r>
+          </a:p>
+          <a:p>
+            <a:r>
+              <a:rPr lang="it-IT" dirty="0" smtClean="0">
+                <a:solidFill>
+                  <a:schemeClr val="bg1"/>
+                </a:solidFill>
+              </a:rPr>
+              <a:t>Questi test ci hanno permesso di identificare alcuni difetti di programmazione, oltre che a definire possibili migliorie al programma per quanto riguarda la comodità d’uso (per esempio, l’implementazione di un meccanismo di log out).</a:t>
+            </a:r>
+            <a:endParaRPr lang="it-IT" dirty="0">
+              <a:solidFill>
+                <a:schemeClr val="bg1"/>
+              </a:solidFill>
+            </a:endParaRPr>
           </a:p>
           <a:p>
             <a:pPr lvl="1"/>
@@ -6800,18 +6943,25 @@
   <p:clrMapOvr>
     <a:masterClrMapping/>
   </p:clrMapOvr>
-  <mc:AlternateContent xmlns:mc="http://schemas.openxmlformats.org/markup-compatibility/2006" xmlns:p159="http://schemas.microsoft.com/office/powerpoint/2015/09/main">
-    <mc:Choice Requires="p159">
+  <mc:AlternateContent xmlns:mc="http://schemas.openxmlformats.org/markup-compatibility/2006">
+    <mc:Choice xmlns:p159="http://schemas.microsoft.com/office/powerpoint/2015/09/main" xmlns="" Requires="p159">
       <p:transition spd="med">
         <p159:morph option="byObject"/>
       </p:transition>
     </mc:Choice>
-    <mc:Fallback xmlns="">
+    <mc:Fallback>
       <p:transition spd="med">
         <p:fade/>
       </p:transition>
     </mc:Fallback>
   </mc:AlternateContent>
+  <p:timing>
+    <p:tnLst>
+      <p:par>
+        <p:cTn id="1" dur="indefinite" restart="never" nodeType="tmRoot"/>
+      </p:par>
+    </p:tnLst>
+  </p:timing>
 </p:sld>
 </file>
 
@@ -7518,18 +7668,25 @@
   <p:clrMapOvr>
     <a:masterClrMapping/>
   </p:clrMapOvr>
-  <mc:AlternateContent xmlns:mc="http://schemas.openxmlformats.org/markup-compatibility/2006" xmlns:p159="http://schemas.microsoft.com/office/powerpoint/2015/09/main">
-    <mc:Choice Requires="p159">
+  <mc:AlternateContent xmlns:mc="http://schemas.openxmlformats.org/markup-compatibility/2006">
+    <mc:Choice xmlns:p159="http://schemas.microsoft.com/office/powerpoint/2015/09/main" xmlns="" Requires="p159">
       <p:transition spd="med">
         <p159:morph option="byObject"/>
       </p:transition>
     </mc:Choice>
-    <mc:Fallback xmlns="">
+    <mc:Fallback>
       <p:transition spd="med">
         <p:fade/>
       </p:transition>
     </mc:Fallback>
   </mc:AlternateContent>
+  <p:timing>
+    <p:tnLst>
+      <p:par>
+        <p:cTn id="1" dur="indefinite" restart="never" nodeType="tmRoot"/>
+      </p:par>
+    </p:tnLst>
+  </p:timing>
 </p:sld>
 </file>
 
@@ -8206,7 +8363,7 @@
           </a:lstStyle>
           <a:p>
             <a:r>
-              <a:rPr lang="en-US" dirty="0" err="1">
+              <a:rPr lang="it-IT" b="1" dirty="0" smtClean="0">
                 <a:solidFill>
                   <a:schemeClr val="bg1"/>
                 </a:solidFill>
@@ -8214,7 +8371,265 @@
               <a:t>Utilizzo</a:t>
             </a:r>
             <a:r>
-              <a:rPr lang="en-US" dirty="0">
+              <a:rPr lang="en-US" b="1" dirty="0" smtClean="0">
+                <a:solidFill>
+                  <a:schemeClr val="bg1"/>
+                </a:solidFill>
+              </a:rPr>
+              <a:t> </a:t>
+            </a:r>
+            <a:r>
+              <a:rPr lang="en-US" b="1" dirty="0">
+                <a:solidFill>
+                  <a:schemeClr val="bg1"/>
+                </a:solidFill>
+              </a:rPr>
+              <a:t>di </a:t>
+            </a:r>
+            <a:r>
+              <a:rPr lang="en-US" b="1" dirty="0" err="1" smtClean="0">
+                <a:solidFill>
+                  <a:schemeClr val="bg1"/>
+                </a:solidFill>
+              </a:rPr>
+              <a:t>Github</a:t>
+            </a:r>
+            <a:r>
+              <a:rPr lang="en-US" b="1" dirty="0">
+                <a:solidFill>
+                  <a:schemeClr val="bg1"/>
+                </a:solidFill>
+              </a:rPr>
+              <a:t> </a:t>
+            </a:r>
+            <a:r>
+              <a:rPr lang="en-US" b="1" dirty="0" smtClean="0">
+                <a:solidFill>
+                  <a:schemeClr val="bg1"/>
+                </a:solidFill>
+              </a:rPr>
+              <a:t>(</a:t>
+            </a:r>
+            <a:r>
+              <a:rPr lang="en-US" b="1" dirty="0" err="1" smtClean="0">
+                <a:solidFill>
+                  <a:schemeClr val="bg1"/>
+                </a:solidFill>
+              </a:rPr>
+              <a:t>almeno</a:t>
+            </a:r>
+            <a:r>
+              <a:rPr lang="en-US" b="1" dirty="0" smtClean="0">
+                <a:solidFill>
+                  <a:schemeClr val="bg1"/>
+                </a:solidFill>
+              </a:rPr>
+              <a:t> </a:t>
+            </a:r>
+            <a:r>
+              <a:rPr lang="en-US" b="1" dirty="0" err="1" smtClean="0">
+                <a:solidFill>
+                  <a:schemeClr val="bg1"/>
+                </a:solidFill>
+              </a:rPr>
+              <a:t>inizialmente</a:t>
+            </a:r>
+            <a:r>
+              <a:rPr lang="en-US" b="1" dirty="0" smtClean="0">
+                <a:solidFill>
+                  <a:schemeClr val="bg1"/>
+                </a:solidFill>
+              </a:rPr>
+              <a:t>)</a:t>
+            </a:r>
+          </a:p>
+          <a:p>
+            <a:r>
+              <a:rPr lang="en-US" dirty="0" smtClean="0">
+                <a:solidFill>
+                  <a:schemeClr val="bg1"/>
+                </a:solidFill>
+              </a:rPr>
+              <a:t>per </a:t>
+            </a:r>
+            <a:r>
+              <a:rPr lang="en-US" dirty="0" err="1" smtClean="0">
+                <a:solidFill>
+                  <a:schemeClr val="bg1"/>
+                </a:solidFill>
+              </a:rPr>
+              <a:t>quanto</a:t>
+            </a:r>
+            <a:r>
+              <a:rPr lang="en-US" dirty="0" smtClean="0">
+                <a:solidFill>
+                  <a:schemeClr val="bg1"/>
+                </a:solidFill>
+              </a:rPr>
+              <a:t> </a:t>
+            </a:r>
+            <a:r>
+              <a:rPr lang="en-US" dirty="0" err="1" smtClean="0">
+                <a:solidFill>
+                  <a:schemeClr val="bg1"/>
+                </a:solidFill>
+              </a:rPr>
+              <a:t>riguard</a:t>
+            </a:r>
+            <a:r>
+              <a:rPr lang="en-US" dirty="0" err="1" smtClean="0">
+                <a:solidFill>
+                  <a:schemeClr val="bg1"/>
+                </a:solidFill>
+              </a:rPr>
+              <a:t>a</a:t>
+            </a:r>
+            <a:r>
+              <a:rPr lang="en-US" dirty="0" smtClean="0">
+                <a:solidFill>
+                  <a:schemeClr val="bg1"/>
+                </a:solidFill>
+              </a:rPr>
+              <a:t> </a:t>
+            </a:r>
+            <a:r>
+              <a:rPr lang="en-US" dirty="0" err="1" smtClean="0">
+                <a:solidFill>
+                  <a:schemeClr val="bg1"/>
+                </a:solidFill>
+              </a:rPr>
+              <a:t>il</a:t>
+            </a:r>
+            <a:r>
+              <a:rPr lang="en-US" dirty="0" smtClean="0">
+                <a:solidFill>
+                  <a:schemeClr val="bg1"/>
+                </a:solidFill>
+              </a:rPr>
+              <a:t> </a:t>
+            </a:r>
+            <a:r>
+              <a:rPr lang="en-US" dirty="0" err="1" smtClean="0">
+                <a:solidFill>
+                  <a:schemeClr val="bg1"/>
+                </a:solidFill>
+              </a:rPr>
+              <a:t>corretto</a:t>
+            </a:r>
+            <a:r>
+              <a:rPr lang="en-US" dirty="0" smtClean="0">
+                <a:solidFill>
+                  <a:schemeClr val="bg1"/>
+                </a:solidFill>
+              </a:rPr>
+              <a:t> </a:t>
+            </a:r>
+            <a:r>
+              <a:rPr lang="en-US" dirty="0" err="1" smtClean="0">
+                <a:solidFill>
+                  <a:schemeClr val="bg1"/>
+                </a:solidFill>
+              </a:rPr>
+              <a:t>utilizzo</a:t>
+            </a:r>
+            <a:r>
+              <a:rPr lang="en-US" dirty="0" smtClean="0">
+                <a:solidFill>
+                  <a:schemeClr val="bg1"/>
+                </a:solidFill>
+              </a:rPr>
+              <a:t> </a:t>
+            </a:r>
+            <a:r>
+              <a:rPr lang="en-US" dirty="0" err="1" smtClean="0">
+                <a:solidFill>
+                  <a:schemeClr val="bg1"/>
+                </a:solidFill>
+              </a:rPr>
+              <a:t>dei</a:t>
+            </a:r>
+            <a:r>
+              <a:rPr lang="en-US" dirty="0" smtClean="0">
+                <a:solidFill>
+                  <a:schemeClr val="bg1"/>
+                </a:solidFill>
+              </a:rPr>
+              <a:t> branch e la </a:t>
+            </a:r>
+            <a:r>
+              <a:rPr lang="en-US" dirty="0" err="1" smtClean="0">
+                <a:solidFill>
+                  <a:schemeClr val="bg1"/>
+                </a:solidFill>
+              </a:rPr>
+              <a:t>risoluzione</a:t>
+            </a:r>
+            <a:r>
+              <a:rPr lang="en-US" dirty="0" smtClean="0">
+                <a:solidFill>
+                  <a:schemeClr val="bg1"/>
+                </a:solidFill>
+              </a:rPr>
+              <a:t> </a:t>
+            </a:r>
+            <a:r>
+              <a:rPr lang="en-US" dirty="0" err="1" smtClean="0">
+                <a:solidFill>
+                  <a:schemeClr val="bg1"/>
+                </a:solidFill>
+              </a:rPr>
+              <a:t>dei</a:t>
+            </a:r>
+            <a:r>
+              <a:rPr lang="en-US" dirty="0" smtClean="0">
+                <a:solidFill>
+                  <a:schemeClr val="bg1"/>
+                </a:solidFill>
+              </a:rPr>
+              <a:t> </a:t>
+            </a:r>
+            <a:r>
+              <a:rPr lang="en-US" dirty="0" err="1" smtClean="0">
+                <a:solidFill>
+                  <a:schemeClr val="bg1"/>
+                </a:solidFill>
+              </a:rPr>
+              <a:t>conflitti</a:t>
+            </a:r>
+            <a:r>
+              <a:rPr lang="en-US" dirty="0" smtClean="0">
+                <a:solidFill>
+                  <a:schemeClr val="bg1"/>
+                </a:solidFill>
+              </a:rPr>
+              <a:t> </a:t>
+            </a:r>
+            <a:r>
+              <a:rPr lang="en-US" dirty="0" err="1" smtClean="0">
+                <a:solidFill>
+                  <a:schemeClr val="bg1"/>
+                </a:solidFill>
+              </a:rPr>
+              <a:t>senza</a:t>
+            </a:r>
+            <a:r>
+              <a:rPr lang="en-US" dirty="0" smtClean="0">
+                <a:solidFill>
+                  <a:schemeClr val="bg1"/>
+                </a:solidFill>
+              </a:rPr>
+              <a:t> la </a:t>
+            </a:r>
+            <a:r>
+              <a:rPr lang="en-US" dirty="0" err="1" smtClean="0">
+                <a:solidFill>
+                  <a:schemeClr val="bg1"/>
+                </a:solidFill>
+              </a:rPr>
+              <a:t>perdita</a:t>
+            </a:r>
+            <a:r>
+              <a:rPr lang="en-US" dirty="0" smtClean="0">
                 <a:solidFill>
                   <a:schemeClr val="bg1"/>
                 </a:solidFill>
@@ -8222,95 +8637,23 @@
               <a:t> di </a:t>
             </a:r>
             <a:r>
-              <a:rPr lang="en-US" dirty="0" err="1">
-                <a:solidFill>
-                  <a:schemeClr val="bg1"/>
-                </a:solidFill>
-              </a:rPr>
-              <a:t>Github</a:t>
-            </a:r>
-            <a:r>
-              <a:rPr lang="en-US" dirty="0">
-                <a:solidFill>
-                  <a:schemeClr val="bg1"/>
-                </a:solidFill>
-              </a:rPr>
-              <a:t>(</a:t>
-            </a:r>
-            <a:r>
-              <a:rPr lang="en-US" dirty="0" err="1">
-                <a:solidFill>
-                  <a:schemeClr val="bg1"/>
-                </a:solidFill>
-              </a:rPr>
-              <a:t>inizialmente</a:t>
-            </a:r>
-            <a:r>
-              <a:rPr lang="en-US" dirty="0">
-                <a:solidFill>
-                  <a:schemeClr val="bg1"/>
-                </a:solidFill>
-              </a:rPr>
-              <a:t>)</a:t>
-            </a:r>
-          </a:p>
-          <a:p>
-            <a:r>
-              <a:rPr lang="en-US" dirty="0" err="1">
-                <a:solidFill>
-                  <a:schemeClr val="bg1"/>
-                </a:solidFill>
-              </a:rPr>
-              <a:t>Realizzazione</a:t>
-            </a:r>
-            <a:r>
-              <a:rPr lang="en-US" dirty="0">
-                <a:solidFill>
-                  <a:schemeClr val="bg1"/>
-                </a:solidFill>
-              </a:rPr>
-              <a:t> del </a:t>
-            </a:r>
-            <a:r>
-              <a:rPr lang="en-US" dirty="0" err="1">
-                <a:solidFill>
-                  <a:schemeClr val="bg1"/>
-                </a:solidFill>
-              </a:rPr>
-              <a:t>diagramma</a:t>
-            </a:r>
-            <a:r>
-              <a:rPr lang="en-US" dirty="0">
-                <a:solidFill>
-                  <a:schemeClr val="bg1"/>
-                </a:solidFill>
-              </a:rPr>
-              <a:t> </a:t>
-            </a:r>
-            <a:r>
-              <a:rPr lang="en-US" dirty="0" err="1">
-                <a:solidFill>
-                  <a:schemeClr val="bg1"/>
-                </a:solidFill>
-              </a:rPr>
-              <a:t>delle</a:t>
-            </a:r>
-            <a:r>
-              <a:rPr lang="en-US" dirty="0">
-                <a:solidFill>
-                  <a:schemeClr val="bg1"/>
-                </a:solidFill>
-              </a:rPr>
-              <a:t> </a:t>
-            </a:r>
-            <a:r>
-              <a:rPr lang="en-US" dirty="0" err="1">
-                <a:solidFill>
-                  <a:schemeClr val="bg1"/>
-                </a:solidFill>
-              </a:rPr>
-              <a:t>classi</a:t>
-            </a:r>
+              <a:rPr lang="en-US" dirty="0" err="1" smtClean="0">
+                <a:solidFill>
+                  <a:schemeClr val="bg1"/>
+                </a:solidFill>
+              </a:rPr>
+              <a:t>modifiche</a:t>
+            </a:r>
+            <a:r>
+              <a:rPr lang="en-US" dirty="0" smtClean="0">
+                <a:solidFill>
+                  <a:schemeClr val="bg1"/>
+                </a:solidFill>
+              </a:rPr>
+              <a:t>.</a:t>
+            </a:r>
+          </a:p>
+          <a:p>
             <a:endParaRPr lang="en-US" dirty="0">
               <a:solidFill>
                 <a:schemeClr val="bg1"/>
@@ -8319,26 +8662,332 @@
           </a:p>
           <a:p>
             <a:r>
-              <a:rPr lang="en-US" dirty="0">
-                <a:solidFill>
-                  <a:schemeClr val="bg1"/>
-                </a:solidFill>
-              </a:rPr>
-              <a:t>//</a:t>
-            </a:r>
-            <a:r>
-              <a:rPr lang="en-US" dirty="0" err="1">
-                <a:solidFill>
-                  <a:schemeClr val="bg1"/>
-                </a:solidFill>
-              </a:rPr>
-              <a:t>definire</a:t>
-            </a:r>
-            <a:endParaRPr lang="en-US" dirty="0">
+              <a:rPr lang="en-US" b="1" dirty="0" err="1">
+                <a:solidFill>
+                  <a:schemeClr val="bg1"/>
+                </a:solidFill>
+              </a:rPr>
+              <a:t>Realizzazione</a:t>
+            </a:r>
+            <a:r>
+              <a:rPr lang="en-US" b="1" dirty="0">
+                <a:solidFill>
+                  <a:schemeClr val="bg1"/>
+                </a:solidFill>
+              </a:rPr>
+              <a:t> del </a:t>
+            </a:r>
+            <a:r>
+              <a:rPr lang="en-US" b="1" dirty="0" err="1">
+                <a:solidFill>
+                  <a:schemeClr val="bg1"/>
+                </a:solidFill>
+              </a:rPr>
+              <a:t>diagramma</a:t>
+            </a:r>
+            <a:r>
+              <a:rPr lang="en-US" b="1" dirty="0">
+                <a:solidFill>
+                  <a:schemeClr val="bg1"/>
+                </a:solidFill>
+              </a:rPr>
+              <a:t> </a:t>
+            </a:r>
+            <a:r>
+              <a:rPr lang="en-US" b="1" dirty="0" err="1">
+                <a:solidFill>
+                  <a:schemeClr val="bg1"/>
+                </a:solidFill>
+              </a:rPr>
+              <a:t>delle</a:t>
+            </a:r>
+            <a:r>
+              <a:rPr lang="en-US" b="1" dirty="0">
+                <a:solidFill>
+                  <a:schemeClr val="bg1"/>
+                </a:solidFill>
+              </a:rPr>
+              <a:t> </a:t>
+            </a:r>
+            <a:r>
+              <a:rPr lang="en-US" b="1" dirty="0" err="1" smtClean="0">
+                <a:solidFill>
+                  <a:schemeClr val="bg1"/>
+                </a:solidFill>
+              </a:rPr>
+              <a:t>classi</a:t>
+            </a:r>
+            <a:endParaRPr lang="en-US" b="1" dirty="0" smtClean="0">
               <a:solidFill>
                 <a:schemeClr val="bg1"/>
               </a:solidFill>
             </a:endParaRPr>
+          </a:p>
+          <a:p>
+            <a:r>
+              <a:rPr lang="en-US" dirty="0" err="1" smtClean="0">
+                <a:solidFill>
+                  <a:schemeClr val="bg1"/>
+                </a:solidFill>
+              </a:rPr>
+              <a:t>inizialmente</a:t>
+            </a:r>
+            <a:r>
+              <a:rPr lang="en-US" dirty="0" smtClean="0">
+                <a:solidFill>
+                  <a:schemeClr val="bg1"/>
+                </a:solidFill>
+              </a:rPr>
+              <a:t> </a:t>
+            </a:r>
+            <a:r>
+              <a:rPr lang="en-US" dirty="0" err="1" smtClean="0">
+                <a:solidFill>
+                  <a:schemeClr val="bg1"/>
+                </a:solidFill>
+              </a:rPr>
+              <a:t>si</a:t>
+            </a:r>
+            <a:r>
+              <a:rPr lang="en-US" dirty="0" smtClean="0">
+                <a:solidFill>
+                  <a:schemeClr val="bg1"/>
+                </a:solidFill>
+              </a:rPr>
+              <a:t> </a:t>
+            </a:r>
+            <a:r>
+              <a:rPr lang="en-US" dirty="0" err="1" smtClean="0">
+                <a:solidFill>
+                  <a:schemeClr val="bg1"/>
+                </a:solidFill>
+              </a:rPr>
+              <a:t>prevedeva</a:t>
+            </a:r>
+            <a:r>
+              <a:rPr lang="en-US" dirty="0" smtClean="0">
+                <a:solidFill>
+                  <a:schemeClr val="bg1"/>
+                </a:solidFill>
+              </a:rPr>
+              <a:t> di </a:t>
+            </a:r>
+            <a:r>
+              <a:rPr lang="en-US" dirty="0" err="1" smtClean="0">
+                <a:solidFill>
+                  <a:schemeClr val="bg1"/>
+                </a:solidFill>
+              </a:rPr>
+              <a:t>realizzare</a:t>
+            </a:r>
+            <a:r>
+              <a:rPr lang="en-US" dirty="0" smtClean="0">
+                <a:solidFill>
+                  <a:schemeClr val="bg1"/>
+                </a:solidFill>
+              </a:rPr>
+              <a:t> un </a:t>
+            </a:r>
+            <a:r>
+              <a:rPr lang="en-US" dirty="0" err="1" smtClean="0">
+                <a:solidFill>
+                  <a:schemeClr val="bg1"/>
+                </a:solidFill>
+              </a:rPr>
+              <a:t>diagramma</a:t>
+            </a:r>
+            <a:r>
+              <a:rPr lang="en-US" dirty="0" smtClean="0">
+                <a:solidFill>
+                  <a:schemeClr val="bg1"/>
+                </a:solidFill>
+              </a:rPr>
+              <a:t> di </a:t>
+            </a:r>
+            <a:r>
+              <a:rPr lang="en-US" dirty="0" err="1" smtClean="0">
+                <a:solidFill>
+                  <a:schemeClr val="bg1"/>
+                </a:solidFill>
+              </a:rPr>
+              <a:t>classi</a:t>
+            </a:r>
+            <a:r>
+              <a:rPr lang="en-US" dirty="0">
+                <a:solidFill>
+                  <a:schemeClr val="bg1"/>
+                </a:solidFill>
+              </a:rPr>
+              <a:t> </a:t>
+            </a:r>
+            <a:r>
+              <a:rPr lang="en-US" dirty="0" smtClean="0">
+                <a:solidFill>
+                  <a:schemeClr val="bg1"/>
+                </a:solidFill>
+              </a:rPr>
+              <a:t>a </a:t>
+            </a:r>
+            <a:r>
+              <a:rPr lang="en-US" dirty="0" err="1" smtClean="0">
+                <a:solidFill>
+                  <a:schemeClr val="bg1"/>
+                </a:solidFill>
+              </a:rPr>
+              <a:t>partire</a:t>
+            </a:r>
+            <a:r>
+              <a:rPr lang="en-US" dirty="0" smtClean="0">
+                <a:solidFill>
+                  <a:schemeClr val="bg1"/>
+                </a:solidFill>
+              </a:rPr>
+              <a:t> da cui </a:t>
+            </a:r>
+            <a:r>
+              <a:rPr lang="en-US" dirty="0" err="1" smtClean="0">
+                <a:solidFill>
+                  <a:schemeClr val="bg1"/>
+                </a:solidFill>
+              </a:rPr>
+              <a:t>generare</a:t>
+            </a:r>
+            <a:r>
+              <a:rPr lang="en-US" dirty="0" smtClean="0">
+                <a:solidFill>
+                  <a:schemeClr val="bg1"/>
+                </a:solidFill>
+              </a:rPr>
+              <a:t> </a:t>
+            </a:r>
+            <a:r>
+              <a:rPr lang="en-US" dirty="0" err="1" smtClean="0">
+                <a:solidFill>
+                  <a:schemeClr val="bg1"/>
+                </a:solidFill>
+              </a:rPr>
+              <a:t>il</a:t>
+            </a:r>
+            <a:r>
+              <a:rPr lang="en-US" dirty="0" smtClean="0">
+                <a:solidFill>
+                  <a:schemeClr val="bg1"/>
+                </a:solidFill>
+              </a:rPr>
+              <a:t> </a:t>
+            </a:r>
+            <a:r>
+              <a:rPr lang="en-US" dirty="0" err="1" smtClean="0">
+                <a:solidFill>
+                  <a:schemeClr val="bg1"/>
+                </a:solidFill>
+              </a:rPr>
+              <a:t>codice</a:t>
+            </a:r>
+            <a:r>
+              <a:rPr lang="en-US" dirty="0" smtClean="0">
+                <a:solidFill>
+                  <a:schemeClr val="bg1"/>
+                </a:solidFill>
+              </a:rPr>
+              <a:t>, ma </a:t>
+            </a:r>
+            <a:r>
+              <a:rPr lang="en-US" dirty="0" err="1" smtClean="0">
+                <a:solidFill>
+                  <a:schemeClr val="bg1"/>
+                </a:solidFill>
+              </a:rPr>
+              <a:t>ciò</a:t>
+            </a:r>
+            <a:r>
+              <a:rPr lang="en-US" dirty="0" smtClean="0">
+                <a:solidFill>
+                  <a:schemeClr val="bg1"/>
+                </a:solidFill>
+              </a:rPr>
+              <a:t> non era </a:t>
+            </a:r>
+            <a:r>
+              <a:rPr lang="en-US" dirty="0" err="1" smtClean="0">
+                <a:solidFill>
+                  <a:schemeClr val="bg1"/>
+                </a:solidFill>
+              </a:rPr>
+              <a:t>adatto</a:t>
+            </a:r>
+            <a:r>
+              <a:rPr lang="en-US" dirty="0" smtClean="0">
+                <a:solidFill>
+                  <a:schemeClr val="bg1"/>
+                </a:solidFill>
+              </a:rPr>
+              <a:t> </a:t>
+            </a:r>
+            <a:r>
+              <a:rPr lang="en-US" dirty="0" err="1" smtClean="0">
+                <a:solidFill>
+                  <a:schemeClr val="bg1"/>
+                </a:solidFill>
+              </a:rPr>
+              <a:t>allo</a:t>
+            </a:r>
+            <a:r>
+              <a:rPr lang="en-US" dirty="0" smtClean="0">
+                <a:solidFill>
+                  <a:schemeClr val="bg1"/>
+                </a:solidFill>
+              </a:rPr>
+              <a:t> stile </a:t>
+            </a:r>
+            <a:r>
+              <a:rPr lang="en-US" dirty="0" err="1" smtClean="0">
+                <a:solidFill>
+                  <a:schemeClr val="bg1"/>
+                </a:solidFill>
+              </a:rPr>
+              <a:t>architettonico</a:t>
+            </a:r>
+            <a:r>
+              <a:rPr lang="en-US" dirty="0" smtClean="0">
+                <a:solidFill>
+                  <a:schemeClr val="bg1"/>
+                </a:solidFill>
+              </a:rPr>
+              <a:t> da </a:t>
+            </a:r>
+            <a:r>
+              <a:rPr lang="en-US" dirty="0" err="1" smtClean="0">
+                <a:solidFill>
+                  <a:schemeClr val="bg1"/>
+                </a:solidFill>
+              </a:rPr>
+              <a:t>noi</a:t>
+            </a:r>
+            <a:r>
+              <a:rPr lang="en-US" dirty="0" smtClean="0">
+                <a:solidFill>
+                  <a:schemeClr val="bg1"/>
+                </a:solidFill>
+              </a:rPr>
+              <a:t> </a:t>
+            </a:r>
+            <a:r>
+              <a:rPr lang="en-US" dirty="0" err="1" smtClean="0">
+                <a:solidFill>
+                  <a:schemeClr val="bg1"/>
+                </a:solidFill>
+              </a:rPr>
+              <a:t>selezionato</a:t>
+            </a:r>
+            <a:r>
+              <a:rPr lang="en-US" dirty="0" smtClean="0">
+                <a:solidFill>
+                  <a:schemeClr val="bg1"/>
+                </a:solidFill>
+              </a:rPr>
+              <a:t>.</a:t>
+            </a:r>
           </a:p>
         </p:txBody>
       </p:sp>
@@ -8352,18 +9001,25 @@
   <p:clrMapOvr>
     <a:masterClrMapping/>
   </p:clrMapOvr>
-  <mc:AlternateContent xmlns:mc="http://schemas.openxmlformats.org/markup-compatibility/2006" xmlns:p159="http://schemas.microsoft.com/office/powerpoint/2015/09/main">
-    <mc:Choice Requires="p159">
+  <mc:AlternateContent xmlns:mc="http://schemas.openxmlformats.org/markup-compatibility/2006">
+    <mc:Choice xmlns:p159="http://schemas.microsoft.com/office/powerpoint/2015/09/main" xmlns="" Requires="p159">
       <p:transition spd="med">
         <p159:morph option="byObject"/>
       </p:transition>
     </mc:Choice>
-    <mc:Fallback xmlns="">
+    <mc:Fallback>
       <p:transition spd="med">
         <p:fade/>
       </p:transition>
     </mc:Fallback>
   </mc:AlternateContent>
+  <p:timing>
+    <p:tnLst>
+      <p:par>
+        <p:cTn id="1" dur="indefinite" restart="never" nodeType="tmRoot"/>
+      </p:par>
+    </p:tnLst>
+  </p:timing>
 </p:sld>
 </file>
 
@@ -9336,18 +9992,25 @@
   <p:clrMapOvr>
     <a:masterClrMapping/>
   </p:clrMapOvr>
-  <mc:AlternateContent xmlns:mc="http://schemas.openxmlformats.org/markup-compatibility/2006" xmlns:p159="http://schemas.microsoft.com/office/powerpoint/2015/09/main">
-    <mc:Choice Requires="p159">
+  <mc:AlternateContent xmlns:mc="http://schemas.openxmlformats.org/markup-compatibility/2006">
+    <mc:Choice xmlns:p159="http://schemas.microsoft.com/office/powerpoint/2015/09/main" xmlns="" Requires="p159">
       <p:transition spd="med">
         <p159:morph option="byObject"/>
       </p:transition>
     </mc:Choice>
-    <mc:Fallback xmlns="">
+    <mc:Fallback>
       <p:transition spd="med">
         <p:fade/>
       </p:transition>
     </mc:Fallback>
   </mc:AlternateContent>
+  <p:timing>
+    <p:tnLst>
+      <p:par>
+        <p:cTn id="1" dur="indefinite" restart="never" nodeType="tmRoot"/>
+      </p:par>
+    </p:tnLst>
+  </p:timing>
 </p:sld>
 </file>
 
@@ -10163,18 +10826,25 @@
   <p:clrMapOvr>
     <a:masterClrMapping/>
   </p:clrMapOvr>
-  <mc:AlternateContent xmlns:mc="http://schemas.openxmlformats.org/markup-compatibility/2006" xmlns:p159="http://schemas.microsoft.com/office/powerpoint/2015/09/main">
-    <mc:Choice Requires="p159">
+  <mc:AlternateContent xmlns:mc="http://schemas.openxmlformats.org/markup-compatibility/2006">
+    <mc:Choice xmlns:p159="http://schemas.microsoft.com/office/powerpoint/2015/09/main" xmlns="" Requires="p159">
       <p:transition spd="med">
         <p159:morph option="byObject"/>
       </p:transition>
     </mc:Choice>
-    <mc:Fallback xmlns="">
+    <mc:Fallback>
       <p:transition spd="med">
         <p:fade/>
       </p:transition>
     </mc:Fallback>
   </mc:AlternateContent>
+  <p:timing>
+    <p:tnLst>
+      <p:par>
+        <p:cTn id="1" dur="indefinite" restart="never" nodeType="tmRoot"/>
+      </p:par>
+    </p:tnLst>
+  </p:timing>
 </p:sld>
 </file>
 
@@ -10967,6 +11637,13 @@
       </p:transition>
     </mc:Fallback>
   </mc:AlternateContent>
+  <p:timing>
+    <p:tnLst>
+      <p:par>
+        <p:cTn id="1" dur="indefinite" restart="never" nodeType="tmRoot"/>
+      </p:par>
+    </p:tnLst>
+  </p:timing>
 </p:sld>
 </file>
 
@@ -11627,13 +12304,13 @@
             </a:lvl9pPr>
           </a:lstStyle>
           <a:p>
-            <a:pPr algn="just">
+            <a:pPr>
               <a:lnSpc>
                 <a:spcPct val="115000"/>
               </a:lnSpc>
             </a:pPr>
             <a:r>
-              <a:rPr lang="it-IT">
+              <a:rPr lang="it-IT" dirty="0">
                 <a:solidFill>
                   <a:schemeClr val="bg1"/>
                 </a:solidFill>
@@ -11645,13 +12322,31 @@
           </a:p>
           <a:p>
             <a:r>
-              <a:rPr lang="it-IT">
+              <a:rPr lang="it-IT" dirty="0">
                 <a:solidFill>
                   <a:schemeClr val="bg1"/>
                 </a:solidFill>
                 <a:latin typeface="Söhne"/>
               </a:rPr>
-              <a:t>Tutti i dettagli relativi ai requisiti sono stati dettagliatamente descritti          nel documento denominato "Documentazione del progetto.pdf".</a:t>
+              <a:t>Tutti i dettagli relativi ai requisiti sono stati dettagliatamente </a:t>
+            </a:r>
+            <a:r>
+              <a:rPr lang="it-IT" dirty="0" smtClean="0">
+                <a:solidFill>
+                  <a:schemeClr val="bg1"/>
+                </a:solidFill>
+                <a:latin typeface="Söhne"/>
+              </a:rPr>
+              <a:t>descritti nel </a:t>
+            </a:r>
+            <a:r>
+              <a:rPr lang="it-IT" dirty="0">
+                <a:solidFill>
+                  <a:schemeClr val="bg1"/>
+                </a:solidFill>
+                <a:latin typeface="Söhne"/>
+              </a:rPr>
+              <a:t>documento denominato "Documentazione del progetto.pdf".</a:t>
             </a:r>
             <a:endParaRPr lang="en-US" dirty="0">
               <a:solidFill>
@@ -11672,18 +12367,25 @@
   <p:clrMapOvr>
     <a:masterClrMapping/>
   </p:clrMapOvr>
-  <mc:AlternateContent xmlns:mc="http://schemas.openxmlformats.org/markup-compatibility/2006" xmlns:p159="http://schemas.microsoft.com/office/powerpoint/2015/09/main">
-    <mc:Choice Requires="p159">
+  <mc:AlternateContent xmlns:mc="http://schemas.openxmlformats.org/markup-compatibility/2006">
+    <mc:Choice xmlns:p159="http://schemas.microsoft.com/office/powerpoint/2015/09/main" xmlns="" Requires="p159">
       <p:transition spd="med">
         <p159:morph option="byObject"/>
       </p:transition>
     </mc:Choice>
-    <mc:Fallback xmlns="">
+    <mc:Fallback>
       <p:transition spd="med">
         <p:fade/>
       </p:transition>
     </mc:Fallback>
   </mc:AlternateContent>
+  <p:timing>
+    <p:tnLst>
+      <p:par>
+        <p:cTn id="1" dur="indefinite" restart="never" nodeType="tmRoot"/>
+      </p:par>
+    </p:tnLst>
+  </p:timing>
 </p:sld>
 </file>
 
@@ -12546,18 +13248,25 @@
   <p:clrMapOvr>
     <a:masterClrMapping/>
   </p:clrMapOvr>
-  <mc:AlternateContent xmlns:mc="http://schemas.openxmlformats.org/markup-compatibility/2006" xmlns:p159="http://schemas.microsoft.com/office/powerpoint/2015/09/main">
-    <mc:Choice Requires="p159">
+  <mc:AlternateContent xmlns:mc="http://schemas.openxmlformats.org/markup-compatibility/2006">
+    <mc:Choice xmlns:p159="http://schemas.microsoft.com/office/powerpoint/2015/09/main" xmlns="" Requires="p159">
       <p:transition spd="med">
         <p159:morph option="byObject"/>
       </p:transition>
     </mc:Choice>
-    <mc:Fallback xmlns="">
+    <mc:Fallback>
       <p:transition spd="med">
         <p:fade/>
       </p:transition>
     </mc:Fallback>
   </mc:AlternateContent>
+  <p:timing>
+    <p:tnLst>
+      <p:par>
+        <p:cTn id="1" dur="indefinite" restart="never" nodeType="tmRoot"/>
+      </p:par>
+    </p:tnLst>
+  </p:timing>
 </p:sld>
 </file>
 
@@ -13229,7 +13938,7 @@
               </a:spcAft>
             </a:pPr>
             <a:r>
-              <a:rPr lang="it-IT" sz="1800">
+              <a:rPr lang="it-IT" sz="1800" dirty="0">
                 <a:solidFill>
                   <a:schemeClr val="bg1"/>
                 </a:solidFill>
@@ -13250,7 +13959,7 @@
               </a:spcAft>
             </a:pPr>
             <a:r>
-              <a:rPr lang="it-IT" sz="1800">
+              <a:rPr lang="it-IT" sz="1800" dirty="0" smtClean="0">
                 <a:solidFill>
                   <a:schemeClr val="bg1"/>
                 </a:solidFill>
@@ -13258,7 +13967,51 @@
                 <a:ea typeface="Calibri" panose="020F0502020204030204" pitchFamily="34" charset="0"/>
                 <a:cs typeface="Times New Roman" panose="02020603050405020304" pitchFamily="18" charset="0"/>
               </a:rPr>
-              <a:t>// da definire</a:t>
+              <a:t>Altro pattern che abbiamo implementato è stato quello dell’</a:t>
+            </a:r>
+            <a:r>
+              <a:rPr lang="it-IT" sz="1800" b="1" dirty="0" smtClean="0">
+                <a:solidFill>
+                  <a:schemeClr val="bg1"/>
+                </a:solidFill>
+                <a:latin typeface="Calibri" panose="020F0502020204030204" pitchFamily="34" charset="0"/>
+                <a:ea typeface="Calibri" panose="020F0502020204030204" pitchFamily="34" charset="0"/>
+                <a:cs typeface="Times New Roman" panose="02020603050405020304" pitchFamily="18" charset="0"/>
+              </a:rPr>
+              <a:t>astrazione – occorrenza</a:t>
+            </a:r>
+            <a:r>
+              <a:rPr lang="it-IT" sz="1800" dirty="0" smtClean="0">
+                <a:solidFill>
+                  <a:schemeClr val="bg1"/>
+                </a:solidFill>
+                <a:latin typeface="Calibri" panose="020F0502020204030204" pitchFamily="34" charset="0"/>
+                <a:ea typeface="Calibri" panose="020F0502020204030204" pitchFamily="34" charset="0"/>
+                <a:cs typeface="Times New Roman" panose="02020603050405020304" pitchFamily="18" charset="0"/>
+              </a:rPr>
+              <a:t>, per quanto riguarda i pulsanti all’interno del progetto logico: abbiamo infatti creato una classe astratta «</a:t>
+            </a:r>
+            <a:r>
+              <a:rPr lang="it-IT" sz="1800" dirty="0" err="1" smtClean="0">
+                <a:solidFill>
+                  <a:schemeClr val="bg1"/>
+                </a:solidFill>
+                <a:latin typeface="Calibri" panose="020F0502020204030204" pitchFamily="34" charset="0"/>
+                <a:ea typeface="Calibri" panose="020F0502020204030204" pitchFamily="34" charset="0"/>
+                <a:cs typeface="Times New Roman" panose="02020603050405020304" pitchFamily="18" charset="0"/>
+              </a:rPr>
+              <a:t>LogicaBottone</a:t>
+            </a:r>
+            <a:r>
+              <a:rPr lang="it-IT" sz="1800" dirty="0" smtClean="0">
+                <a:solidFill>
+                  <a:schemeClr val="bg1"/>
+                </a:solidFill>
+                <a:latin typeface="Calibri" panose="020F0502020204030204" pitchFamily="34" charset="0"/>
+                <a:ea typeface="Calibri" panose="020F0502020204030204" pitchFamily="34" charset="0"/>
+                <a:cs typeface="Times New Roman" panose="02020603050405020304" pitchFamily="18" charset="0"/>
+              </a:rPr>
+              <a:t>», da cui tutte le altre concrete ereditano alcuni attributi e il proprio metodo principale, «start».</a:t>
             </a:r>
             <a:endParaRPr lang="it-IT" sz="1800" dirty="0">
               <a:solidFill>
@@ -13281,18 +14034,25 @@
   <p:clrMapOvr>
     <a:masterClrMapping/>
   </p:clrMapOvr>
-  <mc:AlternateContent xmlns:mc="http://schemas.openxmlformats.org/markup-compatibility/2006" xmlns:p159="http://schemas.microsoft.com/office/powerpoint/2015/09/main">
-    <mc:Choice Requires="p159">
+  <mc:AlternateContent xmlns:mc="http://schemas.openxmlformats.org/markup-compatibility/2006">
+    <mc:Choice xmlns:p159="http://schemas.microsoft.com/office/powerpoint/2015/09/main" xmlns="" Requires="p159">
       <p:transition spd="med">
         <p159:morph option="byObject"/>
       </p:transition>
     </mc:Choice>
-    <mc:Fallback xmlns="">
+    <mc:Fallback>
       <p:transition spd="med">
         <p:fade/>
       </p:transition>
     </mc:Fallback>
   </mc:AlternateContent>
+  <p:timing>
+    <p:tnLst>
+      <p:par>
+        <p:cTn id="1" dur="indefinite" restart="never" nodeType="tmRoot"/>
+      </p:par>
+    </p:tnLst>
+  </p:timing>
 </p:sld>
 </file>
 
@@ -13601,6 +14361,12 @@
 </file>
 
 <file path=customXml/item2.xml><?xml version="1.0" encoding="utf-8"?>
+<p:properties xmlns:p="http://schemas.microsoft.com/office/2006/metadata/properties" xmlns:xsi="http://www.w3.org/2001/XMLSchema-instance" xmlns:pc="http://schemas.microsoft.com/office/infopath/2007/PartnerControls">
+  <documentManagement/>
+</p:properties>
+</file>
+
+<file path=customXml/item3.xml><?xml version="1.0" encoding="utf-8"?>
 <ct:contentTypeSchema xmlns:ct="http://schemas.microsoft.com/office/2006/metadata/contentType" xmlns:ma="http://schemas.microsoft.com/office/2006/metadata/properties/metaAttributes" ct:_="" ma:_="" ma:contentTypeName="Document" ma:contentTypeID="0x010100A0CF21E40499B24A9F68A43EEC522882" ma:contentTypeVersion="11" ma:contentTypeDescription="Create a new document." ma:contentTypeScope="" ma:versionID="f4de5826c26741e5908ab3ac9d844ad9">
   <xsd:schema xmlns:xsd="http://www.w3.org/2001/XMLSchema" xmlns:xs="http://www.w3.org/2001/XMLSchema" xmlns:p="http://schemas.microsoft.com/office/2006/metadata/properties" xmlns:ns3="0e8cb14d-5672-45a9-9374-f9161c6ad1f5" targetNamespace="http://schemas.microsoft.com/office/2006/metadata/properties" ma:root="true" ma:fieldsID="feca532200975d88f3884ce2ea50f7b0" ns3:_="">
     <xsd:import namespace="0e8cb14d-5672-45a9-9374-f9161c6ad1f5"/>
@@ -13788,12 +14554,6 @@
 </ct:contentTypeSchema>
 </file>
 
-<file path=customXml/item3.xml><?xml version="1.0" encoding="utf-8"?>
-<p:properties xmlns:p="http://schemas.microsoft.com/office/2006/metadata/properties" xmlns:xsi="http://www.w3.org/2001/XMLSchema-instance" xmlns:pc="http://schemas.microsoft.com/office/infopath/2007/PartnerControls">
-  <documentManagement/>
-</p:properties>
-</file>
-
 <file path=customXml/itemProps1.xml><?xml version="1.0" encoding="utf-8"?>
 <ds:datastoreItem xmlns:ds="http://schemas.openxmlformats.org/officeDocument/2006/customXml" ds:itemID="{2E04FF8D-6387-4FE5-84FD-3A5A7F91F29C}">
   <ds:schemaRefs>
@@ -13803,6 +14563,22 @@
 </file>
 
 <file path=customXml/itemProps2.xml><?xml version="1.0" encoding="utf-8"?>
+<ds:datastoreItem xmlns:ds="http://schemas.openxmlformats.org/officeDocument/2006/customXml" ds:itemID="{1A05844E-C31E-4767-9245-F67E71854877}">
+  <ds:schemaRefs>
+    <ds:schemaRef ds:uri="http://schemas.microsoft.com/office/2006/metadata/properties"/>
+    <ds:schemaRef ds:uri="http://schemas.microsoft.com/office/2006/documentManagement/types"/>
+    <ds:schemaRef ds:uri="http://www.w3.org/XML/1998/namespace"/>
+    <ds:schemaRef ds:uri="http://purl.org/dc/dcmitype/"/>
+    <ds:schemaRef ds:uri="http://purl.org/dc/elements/1.1/"/>
+    <ds:schemaRef ds:uri="http://purl.org/dc/terms/"/>
+    <ds:schemaRef ds:uri="http://schemas.microsoft.com/office/infopath/2007/PartnerControls"/>
+    <ds:schemaRef ds:uri="http://schemas.openxmlformats.org/package/2006/metadata/core-properties"/>
+    <ds:schemaRef ds:uri="0e8cb14d-5672-45a9-9374-f9161c6ad1f5"/>
+  </ds:schemaRefs>
+</ds:datastoreItem>
+</file>
+
+<file path=customXml/itemProps3.xml><?xml version="1.0" encoding="utf-8"?>
 <ds:datastoreItem xmlns:ds="http://schemas.openxmlformats.org/officeDocument/2006/customXml" ds:itemID="{B3C918E1-AB3B-4F23-A208-3A9423FBBA50}">
   <ds:schemaRefs>
     <ds:schemaRef ds:uri="http://schemas.microsoft.com/office/2006/metadata/contentType"/>
@@ -13818,20 +14594,4 @@
     <ds:schemaRef ds:uri="http://schemas.microsoft.com/internal/obd"/>
   </ds:schemaRefs>
 </ds:datastoreItem>
-</file>
-
-<file path=customXml/itemProps3.xml><?xml version="1.0" encoding="utf-8"?>
-<ds:datastoreItem xmlns:ds="http://schemas.openxmlformats.org/officeDocument/2006/customXml" ds:itemID="{1A05844E-C31E-4767-9245-F67E71854877}">
-  <ds:schemaRefs>
-    <ds:schemaRef ds:uri="http://schemas.microsoft.com/office/2006/metadata/properties"/>
-    <ds:schemaRef ds:uri="http://schemas.microsoft.com/office/2006/documentManagement/types"/>
-    <ds:schemaRef ds:uri="http://www.w3.org/XML/1998/namespace"/>
-    <ds:schemaRef ds:uri="http://purl.org/dc/dcmitype/"/>
-    <ds:schemaRef ds:uri="http://purl.org/dc/elements/1.1/"/>
-    <ds:schemaRef ds:uri="http://purl.org/dc/terms/"/>
-    <ds:schemaRef ds:uri="http://schemas.microsoft.com/office/infopath/2007/PartnerControls"/>
-    <ds:schemaRef ds:uri="http://schemas.openxmlformats.org/package/2006/metadata/core-properties"/>
-    <ds:schemaRef ds:uri="0e8cb14d-5672-45a9-9374-f9161c6ad1f5"/>
-  </ds:schemaRefs>
-</ds:datastoreItem>
 </file>